--- a/週課0827.pptx
+++ b/週課0827.pptx
@@ -5,10 +5,14 @@
     <p:sldMasterId id="2147483648" r:id="rId1"/>
   </p:sldMasterIdLst>
   <p:notesMasterIdLst>
-    <p:notesMasterId r:id="rId3"/>
+    <p:notesMasterId r:id="rId7"/>
   </p:notesMasterIdLst>
   <p:sldIdLst>
-    <p:sldId id="256" r:id="rId2"/>
+    <p:sldId id="257" r:id="rId2"/>
+    <p:sldId id="258" r:id="rId3"/>
+    <p:sldId id="259" r:id="rId4"/>
+    <p:sldId id="260" r:id="rId5"/>
+    <p:sldId id="261" r:id="rId6"/>
   </p:sldIdLst>
   <p:sldSz cx="12192000" cy="6858000"/>
   <p:notesSz cx="6858000" cy="9144000"/>
@@ -107,6 +111,11 @@
       </a:defRPr>
     </a:lvl9pPr>
   </p:defaultTextStyle>
+  <p:extLst>
+    <p:ext uri="{EFAFB233-063F-42B5-8137-9DF3F51BA10A}">
+      <p15:sldGuideLst xmlns:p15="http://schemas.microsoft.com/office/powerpoint/2012/main"/>
+    </p:ext>
+  </p:extLst>
 </p:presentation>
 </file>
 
@@ -256,38 +265,37 @@
           <a:p>
             <a:pPr lvl="0"/>
             <a:r>
-              <a:rPr lang="zh-TW" altLang="en-US" smtClean="0"/>
+              <a:rPr lang="zh-TW" altLang="en-US"/>
               <a:t>按一下以編輯母片文字樣式</a:t>
             </a:r>
           </a:p>
           <a:p>
             <a:pPr lvl="1"/>
             <a:r>
-              <a:rPr lang="zh-TW" altLang="en-US" smtClean="0"/>
+              <a:rPr lang="zh-TW" altLang="en-US"/>
               <a:t>第二層</a:t>
             </a:r>
           </a:p>
           <a:p>
             <a:pPr lvl="2"/>
             <a:r>
-              <a:rPr lang="zh-TW" altLang="en-US" smtClean="0"/>
+              <a:rPr lang="zh-TW" altLang="en-US"/>
               <a:t>第三層</a:t>
             </a:r>
           </a:p>
           <a:p>
             <a:pPr lvl="3"/>
             <a:r>
-              <a:rPr lang="zh-TW" altLang="en-US" smtClean="0"/>
+              <a:rPr lang="zh-TW" altLang="en-US"/>
               <a:t>第四層</a:t>
             </a:r>
           </a:p>
           <a:p>
             <a:pPr lvl="4"/>
             <a:r>
-              <a:rPr lang="zh-TW" altLang="en-US" smtClean="0"/>
+              <a:rPr lang="zh-TW" altLang="en-US"/>
               <a:t>第五層</a:t>
             </a:r>
-            <a:endParaRPr lang="zh-TW" altLang="en-US"/>
           </a:p>
         </p:txBody>
       </p:sp>
@@ -460,173 +468,6 @@
 </p:notesMaster>
 </file>
 
-<file path=ppt/notesSlides/notesSlide1.xml><?xml version="1.0" encoding="utf-8"?>
-<p:notes xmlns:a="http://schemas.openxmlformats.org/drawingml/2006/main" xmlns:r="http://schemas.openxmlformats.org/officeDocument/2006/relationships" xmlns:p="http://schemas.openxmlformats.org/presentationml/2006/main">
-  <p:cSld>
-    <p:spTree>
-      <p:nvGrpSpPr>
-        <p:cNvPr id="1" name=""/>
-        <p:cNvGrpSpPr/>
-        <p:nvPr/>
-      </p:nvGrpSpPr>
-      <p:grpSpPr>
-        <a:xfrm>
-          <a:off x="0" y="0"/>
-          <a:ext cx="0" cy="0"/>
-          <a:chOff x="0" y="0"/>
-          <a:chExt cx="0" cy="0"/>
-        </a:xfrm>
-      </p:grpSpPr>
-      <p:sp>
-        <p:nvSpPr>
-          <p:cNvPr id="2" name="投影片圖像版面配置區 1"/>
-          <p:cNvSpPr>
-            <a:spLocks noGrp="1" noRot="1" noChangeAspect="1"/>
-          </p:cNvSpPr>
-          <p:nvPr>
-            <p:ph type="sldImg"/>
-          </p:nvPr>
-        </p:nvSpPr>
-        <p:spPr/>
-      </p:sp>
-      <p:sp>
-        <p:nvSpPr>
-          <p:cNvPr id="3" name="備忘稿版面配置區 2"/>
-          <p:cNvSpPr>
-            <a:spLocks noGrp="1"/>
-          </p:cNvSpPr>
-          <p:nvPr>
-            <p:ph type="body" idx="1"/>
-          </p:nvPr>
-        </p:nvSpPr>
-        <p:spPr/>
-        <p:txBody>
-          <a:bodyPr/>
-          <a:lstStyle/>
-          <a:p>
-            <a:pPr marL="0" marR="0" indent="0" algn="l" defTabSz="914400" rtl="0" eaLnBrk="1" fontAlgn="auto" latinLnBrk="0" hangingPunct="1">
-              <a:lnSpc>
-                <a:spcPct val="100000"/>
-              </a:lnSpc>
-              <a:spcBef>
-                <a:spcPts val="0"/>
-              </a:spcBef>
-              <a:spcAft>
-                <a:spcPts val="0"/>
-              </a:spcAft>
-              <a:buClrTx/>
-              <a:buSzTx/>
-              <a:buFontTx/>
-              <a:buNone/>
-              <a:tabLst/>
-              <a:defRPr/>
-            </a:pPr>
-            <a:r>
-              <a:rPr lang="en-US" altLang="zh-TW" dirty="0" smtClean="0"/>
-              <a:t>DRN-S(closed-loop)</a:t>
-            </a:r>
-          </a:p>
-          <a:p>
-            <a:pPr marL="0" marR="0" indent="0" algn="l" defTabSz="914400" rtl="0" eaLnBrk="1" fontAlgn="auto" latinLnBrk="0" hangingPunct="1">
-              <a:lnSpc>
-                <a:spcPct val="100000"/>
-              </a:lnSpc>
-              <a:spcBef>
-                <a:spcPts val="0"/>
-              </a:spcBef>
-              <a:spcAft>
-                <a:spcPts val="0"/>
-              </a:spcAft>
-              <a:buClrTx/>
-              <a:buSzTx/>
-              <a:buFontTx/>
-              <a:buNone/>
-              <a:tabLst/>
-              <a:defRPr/>
-            </a:pPr>
-            <a:r>
-              <a:rPr lang="en-US" altLang="zh-TW" dirty="0" err="1" smtClean="0"/>
-              <a:t>NatSR</a:t>
-            </a:r>
-            <a:r>
-              <a:rPr lang="zh-TW" altLang="en-US" dirty="0" smtClean="0"/>
-              <a:t>和</a:t>
-            </a:r>
-            <a:r>
-              <a:rPr lang="en-US" altLang="zh-TW" dirty="0" smtClean="0"/>
-              <a:t>FRSR</a:t>
-            </a:r>
-            <a:r>
-              <a:rPr lang="zh-TW" altLang="en-US" dirty="0" smtClean="0"/>
-              <a:t>是同一</a:t>
-            </a:r>
-            <a:r>
-              <a:rPr lang="en-US" altLang="zh-TW" dirty="0" smtClean="0"/>
-              <a:t>paper</a:t>
-            </a:r>
-            <a:r>
-              <a:rPr lang="zh-TW" altLang="en-US" dirty="0" smtClean="0"/>
-              <a:t>實驗結果</a:t>
-            </a:r>
-          </a:p>
-          <a:p>
-            <a:pPr marL="0" marR="0" indent="0" algn="l" defTabSz="914400" rtl="0" eaLnBrk="1" fontAlgn="auto" latinLnBrk="0" hangingPunct="1">
-              <a:lnSpc>
-                <a:spcPct val="100000"/>
-              </a:lnSpc>
-              <a:spcBef>
-                <a:spcPts val="0"/>
-              </a:spcBef>
-              <a:spcAft>
-                <a:spcPts val="0"/>
-              </a:spcAft>
-              <a:buClrTx/>
-              <a:buSzTx/>
-              <a:buFontTx/>
-              <a:buNone/>
-              <a:tabLst/>
-              <a:defRPr/>
-            </a:pPr>
-            <a:endParaRPr lang="zh-TW" altLang="en-US" dirty="0" smtClean="0"/>
-          </a:p>
-        </p:txBody>
-      </p:sp>
-      <p:sp>
-        <p:nvSpPr>
-          <p:cNvPr id="4" name="投影片編號版面配置區 3"/>
-          <p:cNvSpPr>
-            <a:spLocks noGrp="1"/>
-          </p:cNvSpPr>
-          <p:nvPr>
-            <p:ph type="sldNum" sz="quarter" idx="10"/>
-          </p:nvPr>
-        </p:nvSpPr>
-        <p:spPr/>
-        <p:txBody>
-          <a:bodyPr/>
-          <a:lstStyle/>
-          <a:p>
-            <a:fld id="{B971B325-D1A9-44EC-9DC3-069F538D01F8}" type="slidenum">
-              <a:rPr lang="zh-TW" altLang="en-US" smtClean="0"/>
-              <a:t>1</a:t>
-            </a:fld>
-            <a:endParaRPr lang="zh-TW" altLang="en-US"/>
-          </a:p>
-        </p:txBody>
-      </p:sp>
-    </p:spTree>
-    <p:extLst>
-      <p:ext uri="{BB962C8B-B14F-4D97-AF65-F5344CB8AC3E}">
-        <p14:creationId xmlns:p14="http://schemas.microsoft.com/office/powerpoint/2010/main" val="947521438"/>
-      </p:ext>
-    </p:extLst>
-  </p:cSld>
-  <p:clrMapOvr>
-    <a:masterClrMapping/>
-  </p:clrMapOvr>
-</p:notes>
-</file>
-
 <file path=ppt/slideLayouts/slideLayout1.xml><?xml version="1.0" encoding="utf-8"?>
 <p:sldLayout xmlns:a="http://schemas.openxmlformats.org/drawingml/2006/main" xmlns:r="http://schemas.openxmlformats.org/officeDocument/2006/relationships" xmlns:p="http://schemas.openxmlformats.org/presentationml/2006/main" type="title" preserve="1">
   <p:cSld name="標題投影片">
@@ -669,10 +510,9 @@
           </a:lstStyle>
           <a:p>
             <a:r>
-              <a:rPr lang="zh-TW" altLang="en-US" smtClean="0"/>
+              <a:rPr lang="zh-TW" altLang="en-US"/>
               <a:t>按一下以編輯母片標題樣式</a:t>
             </a:r>
-            <a:endParaRPr lang="zh-TW" altLang="en-US"/>
           </a:p>
         </p:txBody>
       </p:sp>
@@ -734,10 +574,9 @@
           </a:lstStyle>
           <a:p>
             <a:r>
-              <a:rPr lang="zh-TW" altLang="en-US" smtClean="0"/>
+              <a:rPr lang="zh-TW" altLang="en-US"/>
               <a:t>按一下以編輯母片副標題樣式</a:t>
             </a:r>
-            <a:endParaRPr lang="zh-TW" altLang="en-US"/>
           </a:p>
         </p:txBody>
       </p:sp>
@@ -852,10 +691,9 @@
           <a:lstStyle/>
           <a:p>
             <a:r>
-              <a:rPr lang="zh-TW" altLang="en-US" smtClean="0"/>
+              <a:rPr lang="zh-TW" altLang="en-US"/>
               <a:t>按一下以編輯母片標題樣式</a:t>
             </a:r>
-            <a:endParaRPr lang="zh-TW" altLang="en-US"/>
           </a:p>
         </p:txBody>
       </p:sp>
@@ -876,38 +714,37 @@
           <a:p>
             <a:pPr lvl="0"/>
             <a:r>
-              <a:rPr lang="zh-TW" altLang="en-US" smtClean="0"/>
+              <a:rPr lang="zh-TW" altLang="en-US"/>
               <a:t>按一下以編輯母片文字樣式</a:t>
             </a:r>
           </a:p>
           <a:p>
             <a:pPr lvl="1"/>
             <a:r>
-              <a:rPr lang="zh-TW" altLang="en-US" smtClean="0"/>
+              <a:rPr lang="zh-TW" altLang="en-US"/>
               <a:t>第二層</a:t>
             </a:r>
           </a:p>
           <a:p>
             <a:pPr lvl="2"/>
             <a:r>
-              <a:rPr lang="zh-TW" altLang="en-US" smtClean="0"/>
+              <a:rPr lang="zh-TW" altLang="en-US"/>
               <a:t>第三層</a:t>
             </a:r>
           </a:p>
           <a:p>
             <a:pPr lvl="3"/>
             <a:r>
-              <a:rPr lang="zh-TW" altLang="en-US" smtClean="0"/>
+              <a:rPr lang="zh-TW" altLang="en-US"/>
               <a:t>第四層</a:t>
             </a:r>
           </a:p>
           <a:p>
             <a:pPr lvl="4"/>
             <a:r>
-              <a:rPr lang="zh-TW" altLang="en-US" smtClean="0"/>
+              <a:rPr lang="zh-TW" altLang="en-US"/>
               <a:t>第五層</a:t>
             </a:r>
-            <a:endParaRPr lang="zh-TW" altLang="en-US"/>
           </a:p>
         </p:txBody>
       </p:sp>
@@ -1027,10 +864,9 @@
           <a:lstStyle/>
           <a:p>
             <a:r>
-              <a:rPr lang="zh-TW" altLang="en-US" smtClean="0"/>
+              <a:rPr lang="zh-TW" altLang="en-US"/>
               <a:t>按一下以編輯母片標題樣式</a:t>
             </a:r>
-            <a:endParaRPr lang="zh-TW" altLang="en-US"/>
           </a:p>
         </p:txBody>
       </p:sp>
@@ -1056,38 +892,37 @@
           <a:p>
             <a:pPr lvl="0"/>
             <a:r>
-              <a:rPr lang="zh-TW" altLang="en-US" smtClean="0"/>
+              <a:rPr lang="zh-TW" altLang="en-US"/>
               <a:t>按一下以編輯母片文字樣式</a:t>
             </a:r>
           </a:p>
           <a:p>
             <a:pPr lvl="1"/>
             <a:r>
-              <a:rPr lang="zh-TW" altLang="en-US" smtClean="0"/>
+              <a:rPr lang="zh-TW" altLang="en-US"/>
               <a:t>第二層</a:t>
             </a:r>
           </a:p>
           <a:p>
             <a:pPr lvl="2"/>
             <a:r>
-              <a:rPr lang="zh-TW" altLang="en-US" smtClean="0"/>
+              <a:rPr lang="zh-TW" altLang="en-US"/>
               <a:t>第三層</a:t>
             </a:r>
           </a:p>
           <a:p>
             <a:pPr lvl="3"/>
             <a:r>
-              <a:rPr lang="zh-TW" altLang="en-US" smtClean="0"/>
+              <a:rPr lang="zh-TW" altLang="en-US"/>
               <a:t>第四層</a:t>
             </a:r>
           </a:p>
           <a:p>
             <a:pPr lvl="4"/>
             <a:r>
-              <a:rPr lang="zh-TW" altLang="en-US" smtClean="0"/>
+              <a:rPr lang="zh-TW" altLang="en-US"/>
               <a:t>第五層</a:t>
             </a:r>
-            <a:endParaRPr lang="zh-TW" altLang="en-US"/>
           </a:p>
         </p:txBody>
       </p:sp>
@@ -1202,10 +1037,9 @@
           <a:lstStyle/>
           <a:p>
             <a:r>
-              <a:rPr lang="zh-TW" altLang="en-US" smtClean="0"/>
+              <a:rPr lang="zh-TW" altLang="en-US"/>
               <a:t>按一下以編輯母片標題樣式</a:t>
             </a:r>
-            <a:endParaRPr lang="zh-TW" altLang="en-US"/>
           </a:p>
         </p:txBody>
       </p:sp>
@@ -1226,38 +1060,37 @@
           <a:p>
             <a:pPr lvl="0"/>
             <a:r>
-              <a:rPr lang="zh-TW" altLang="en-US" smtClean="0"/>
+              <a:rPr lang="zh-TW" altLang="en-US"/>
               <a:t>按一下以編輯母片文字樣式</a:t>
             </a:r>
           </a:p>
           <a:p>
             <a:pPr lvl="1"/>
             <a:r>
-              <a:rPr lang="zh-TW" altLang="en-US" smtClean="0"/>
+              <a:rPr lang="zh-TW" altLang="en-US"/>
               <a:t>第二層</a:t>
             </a:r>
           </a:p>
           <a:p>
             <a:pPr lvl="2"/>
             <a:r>
-              <a:rPr lang="zh-TW" altLang="en-US" smtClean="0"/>
+              <a:rPr lang="zh-TW" altLang="en-US"/>
               <a:t>第三層</a:t>
             </a:r>
           </a:p>
           <a:p>
             <a:pPr lvl="3"/>
             <a:r>
-              <a:rPr lang="zh-TW" altLang="en-US" smtClean="0"/>
+              <a:rPr lang="zh-TW" altLang="en-US"/>
               <a:t>第四層</a:t>
             </a:r>
           </a:p>
           <a:p>
             <a:pPr lvl="4"/>
             <a:r>
-              <a:rPr lang="zh-TW" altLang="en-US" smtClean="0"/>
+              <a:rPr lang="zh-TW" altLang="en-US"/>
               <a:t>第五層</a:t>
             </a:r>
-            <a:endParaRPr lang="zh-TW" altLang="en-US"/>
           </a:p>
         </p:txBody>
       </p:sp>
@@ -1381,10 +1214,9 @@
           </a:lstStyle>
           <a:p>
             <a:r>
-              <a:rPr lang="zh-TW" altLang="en-US" smtClean="0"/>
+              <a:rPr lang="zh-TW" altLang="en-US"/>
               <a:t>按一下以編輯母片標題樣式</a:t>
             </a:r>
-            <a:endParaRPr lang="zh-TW" altLang="en-US"/>
           </a:p>
         </p:txBody>
       </p:sp>
@@ -1501,7 +1333,7 @@
           <a:p>
             <a:pPr lvl="0"/>
             <a:r>
-              <a:rPr lang="zh-TW" altLang="en-US" smtClean="0"/>
+              <a:rPr lang="zh-TW" altLang="en-US"/>
               <a:t>按一下以編輯母片文字樣式</a:t>
             </a:r>
           </a:p>
@@ -1618,10 +1450,9 @@
           <a:lstStyle/>
           <a:p>
             <a:r>
-              <a:rPr lang="zh-TW" altLang="en-US" smtClean="0"/>
+              <a:rPr lang="zh-TW" altLang="en-US"/>
               <a:t>按一下以編輯母片標題樣式</a:t>
             </a:r>
-            <a:endParaRPr lang="zh-TW" altLang="en-US"/>
           </a:p>
         </p:txBody>
       </p:sp>
@@ -1647,38 +1478,37 @@
           <a:p>
             <a:pPr lvl="0"/>
             <a:r>
-              <a:rPr lang="zh-TW" altLang="en-US" smtClean="0"/>
+              <a:rPr lang="zh-TW" altLang="en-US"/>
               <a:t>按一下以編輯母片文字樣式</a:t>
             </a:r>
           </a:p>
           <a:p>
             <a:pPr lvl="1"/>
             <a:r>
-              <a:rPr lang="zh-TW" altLang="en-US" smtClean="0"/>
+              <a:rPr lang="zh-TW" altLang="en-US"/>
               <a:t>第二層</a:t>
             </a:r>
           </a:p>
           <a:p>
             <a:pPr lvl="2"/>
             <a:r>
-              <a:rPr lang="zh-TW" altLang="en-US" smtClean="0"/>
+              <a:rPr lang="zh-TW" altLang="en-US"/>
               <a:t>第三層</a:t>
             </a:r>
           </a:p>
           <a:p>
             <a:pPr lvl="3"/>
             <a:r>
-              <a:rPr lang="zh-TW" altLang="en-US" smtClean="0"/>
+              <a:rPr lang="zh-TW" altLang="en-US"/>
               <a:t>第四層</a:t>
             </a:r>
           </a:p>
           <a:p>
             <a:pPr lvl="4"/>
             <a:r>
-              <a:rPr lang="zh-TW" altLang="en-US" smtClean="0"/>
+              <a:rPr lang="zh-TW" altLang="en-US"/>
               <a:t>第五層</a:t>
             </a:r>
-            <a:endParaRPr lang="zh-TW" altLang="en-US"/>
           </a:p>
         </p:txBody>
       </p:sp>
@@ -1704,38 +1534,37 @@
           <a:p>
             <a:pPr lvl="0"/>
             <a:r>
-              <a:rPr lang="zh-TW" altLang="en-US" smtClean="0"/>
+              <a:rPr lang="zh-TW" altLang="en-US"/>
               <a:t>按一下以編輯母片文字樣式</a:t>
             </a:r>
           </a:p>
           <a:p>
             <a:pPr lvl="1"/>
             <a:r>
-              <a:rPr lang="zh-TW" altLang="en-US" smtClean="0"/>
+              <a:rPr lang="zh-TW" altLang="en-US"/>
               <a:t>第二層</a:t>
             </a:r>
           </a:p>
           <a:p>
             <a:pPr lvl="2"/>
             <a:r>
-              <a:rPr lang="zh-TW" altLang="en-US" smtClean="0"/>
+              <a:rPr lang="zh-TW" altLang="en-US"/>
               <a:t>第三層</a:t>
             </a:r>
           </a:p>
           <a:p>
             <a:pPr lvl="3"/>
             <a:r>
-              <a:rPr lang="zh-TW" altLang="en-US" smtClean="0"/>
+              <a:rPr lang="zh-TW" altLang="en-US"/>
               <a:t>第四層</a:t>
             </a:r>
           </a:p>
           <a:p>
             <a:pPr lvl="4"/>
             <a:r>
-              <a:rPr lang="zh-TW" altLang="en-US" smtClean="0"/>
+              <a:rPr lang="zh-TW" altLang="en-US"/>
               <a:t>第五層</a:t>
             </a:r>
-            <a:endParaRPr lang="zh-TW" altLang="en-US"/>
           </a:p>
         </p:txBody>
       </p:sp>
@@ -1855,10 +1684,9 @@
           <a:lstStyle/>
           <a:p>
             <a:r>
-              <a:rPr lang="zh-TW" altLang="en-US" smtClean="0"/>
+              <a:rPr lang="zh-TW" altLang="en-US"/>
               <a:t>按一下以編輯母片標題樣式</a:t>
             </a:r>
-            <a:endParaRPr lang="zh-TW" altLang="en-US"/>
           </a:p>
         </p:txBody>
       </p:sp>
@@ -1921,7 +1749,7 @@
           <a:p>
             <a:pPr lvl="0"/>
             <a:r>
-              <a:rPr lang="zh-TW" altLang="en-US" smtClean="0"/>
+              <a:rPr lang="zh-TW" altLang="en-US"/>
               <a:t>按一下以編輯母片文字樣式</a:t>
             </a:r>
           </a:p>
@@ -1949,38 +1777,37 @@
           <a:p>
             <a:pPr lvl="0"/>
             <a:r>
-              <a:rPr lang="zh-TW" altLang="en-US" smtClean="0"/>
+              <a:rPr lang="zh-TW" altLang="en-US"/>
               <a:t>按一下以編輯母片文字樣式</a:t>
             </a:r>
           </a:p>
           <a:p>
             <a:pPr lvl="1"/>
             <a:r>
-              <a:rPr lang="zh-TW" altLang="en-US" smtClean="0"/>
+              <a:rPr lang="zh-TW" altLang="en-US"/>
               <a:t>第二層</a:t>
             </a:r>
           </a:p>
           <a:p>
             <a:pPr lvl="2"/>
             <a:r>
-              <a:rPr lang="zh-TW" altLang="en-US" smtClean="0"/>
+              <a:rPr lang="zh-TW" altLang="en-US"/>
               <a:t>第三層</a:t>
             </a:r>
           </a:p>
           <a:p>
             <a:pPr lvl="3"/>
             <a:r>
-              <a:rPr lang="zh-TW" altLang="en-US" smtClean="0"/>
+              <a:rPr lang="zh-TW" altLang="en-US"/>
               <a:t>第四層</a:t>
             </a:r>
           </a:p>
           <a:p>
             <a:pPr lvl="4"/>
             <a:r>
-              <a:rPr lang="zh-TW" altLang="en-US" smtClean="0"/>
+              <a:rPr lang="zh-TW" altLang="en-US"/>
               <a:t>第五層</a:t>
             </a:r>
-            <a:endParaRPr lang="zh-TW" altLang="en-US"/>
           </a:p>
         </p:txBody>
       </p:sp>
@@ -2043,7 +1870,7 @@
           <a:p>
             <a:pPr lvl="0"/>
             <a:r>
-              <a:rPr lang="zh-TW" altLang="en-US" smtClean="0"/>
+              <a:rPr lang="zh-TW" altLang="en-US"/>
               <a:t>按一下以編輯母片文字樣式</a:t>
             </a:r>
           </a:p>
@@ -2071,38 +1898,37 @@
           <a:p>
             <a:pPr lvl="0"/>
             <a:r>
-              <a:rPr lang="zh-TW" altLang="en-US" smtClean="0"/>
+              <a:rPr lang="zh-TW" altLang="en-US"/>
               <a:t>按一下以編輯母片文字樣式</a:t>
             </a:r>
           </a:p>
           <a:p>
             <a:pPr lvl="1"/>
             <a:r>
-              <a:rPr lang="zh-TW" altLang="en-US" smtClean="0"/>
+              <a:rPr lang="zh-TW" altLang="en-US"/>
               <a:t>第二層</a:t>
             </a:r>
           </a:p>
           <a:p>
             <a:pPr lvl="2"/>
             <a:r>
-              <a:rPr lang="zh-TW" altLang="en-US" smtClean="0"/>
+              <a:rPr lang="zh-TW" altLang="en-US"/>
               <a:t>第三層</a:t>
             </a:r>
           </a:p>
           <a:p>
             <a:pPr lvl="3"/>
             <a:r>
-              <a:rPr lang="zh-TW" altLang="en-US" smtClean="0"/>
+              <a:rPr lang="zh-TW" altLang="en-US"/>
               <a:t>第四層</a:t>
             </a:r>
           </a:p>
           <a:p>
             <a:pPr lvl="4"/>
             <a:r>
-              <a:rPr lang="zh-TW" altLang="en-US" smtClean="0"/>
+              <a:rPr lang="zh-TW" altLang="en-US"/>
               <a:t>第五層</a:t>
             </a:r>
-            <a:endParaRPr lang="zh-TW" altLang="en-US"/>
           </a:p>
         </p:txBody>
       </p:sp>
@@ -2217,10 +2043,9 @@
           <a:lstStyle/>
           <a:p>
             <a:r>
-              <a:rPr lang="zh-TW" altLang="en-US" smtClean="0"/>
+              <a:rPr lang="zh-TW" altLang="en-US"/>
               <a:t>按一下以編輯母片標題樣式</a:t>
             </a:r>
-            <a:endParaRPr lang="zh-TW" altLang="en-US"/>
           </a:p>
         </p:txBody>
       </p:sp>
@@ -2439,10 +2264,9 @@
           </a:lstStyle>
           <a:p>
             <a:r>
-              <a:rPr lang="zh-TW" altLang="en-US" smtClean="0"/>
+              <a:rPr lang="zh-TW" altLang="en-US"/>
               <a:t>按一下以編輯母片標題樣式</a:t>
             </a:r>
-            <a:endParaRPr lang="zh-TW" altLang="en-US"/>
           </a:p>
         </p:txBody>
       </p:sp>
@@ -2496,38 +2320,37 @@
           <a:p>
             <a:pPr lvl="0"/>
             <a:r>
-              <a:rPr lang="zh-TW" altLang="en-US" smtClean="0"/>
+              <a:rPr lang="zh-TW" altLang="en-US"/>
               <a:t>按一下以編輯母片文字樣式</a:t>
             </a:r>
           </a:p>
           <a:p>
             <a:pPr lvl="1"/>
             <a:r>
-              <a:rPr lang="zh-TW" altLang="en-US" smtClean="0"/>
+              <a:rPr lang="zh-TW" altLang="en-US"/>
               <a:t>第二層</a:t>
             </a:r>
           </a:p>
           <a:p>
             <a:pPr lvl="2"/>
             <a:r>
-              <a:rPr lang="zh-TW" altLang="en-US" smtClean="0"/>
+              <a:rPr lang="zh-TW" altLang="en-US"/>
               <a:t>第三層</a:t>
             </a:r>
           </a:p>
           <a:p>
             <a:pPr lvl="3"/>
             <a:r>
-              <a:rPr lang="zh-TW" altLang="en-US" smtClean="0"/>
+              <a:rPr lang="zh-TW" altLang="en-US"/>
               <a:t>第四層</a:t>
             </a:r>
           </a:p>
           <a:p>
             <a:pPr lvl="4"/>
             <a:r>
-              <a:rPr lang="zh-TW" altLang="en-US" smtClean="0"/>
+              <a:rPr lang="zh-TW" altLang="en-US"/>
               <a:t>第五層</a:t>
             </a:r>
-            <a:endParaRPr lang="zh-TW" altLang="en-US"/>
           </a:p>
         </p:txBody>
       </p:sp>
@@ -2590,7 +2413,7 @@
           <a:p>
             <a:pPr lvl="0"/>
             <a:r>
-              <a:rPr lang="zh-TW" altLang="en-US" smtClean="0"/>
+              <a:rPr lang="zh-TW" altLang="en-US"/>
               <a:t>按一下以編輯母片文字樣式</a:t>
             </a:r>
           </a:p>
@@ -2716,10 +2539,9 @@
           </a:lstStyle>
           <a:p>
             <a:r>
-              <a:rPr lang="zh-TW" altLang="en-US" smtClean="0"/>
+              <a:rPr lang="zh-TW" altLang="en-US"/>
               <a:t>按一下以編輯母片標題樣式</a:t>
             </a:r>
-            <a:endParaRPr lang="zh-TW" altLang="en-US"/>
           </a:p>
         </p:txBody>
       </p:sp>
@@ -2843,7 +2665,7 @@
           <a:p>
             <a:pPr lvl="0"/>
             <a:r>
-              <a:rPr lang="zh-TW" altLang="en-US" smtClean="0"/>
+              <a:rPr lang="zh-TW" altLang="en-US"/>
               <a:t>按一下以編輯母片文字樣式</a:t>
             </a:r>
           </a:p>
@@ -2975,10 +2797,9 @@
           <a:lstStyle/>
           <a:p>
             <a:r>
-              <a:rPr lang="zh-TW" altLang="en-US" smtClean="0"/>
+              <a:rPr lang="zh-TW" altLang="en-US"/>
               <a:t>按一下以編輯母片標題樣式</a:t>
             </a:r>
-            <a:endParaRPr lang="zh-TW" altLang="en-US"/>
           </a:p>
         </p:txBody>
       </p:sp>
@@ -3009,38 +2830,37 @@
           <a:p>
             <a:pPr lvl="0"/>
             <a:r>
-              <a:rPr lang="zh-TW" altLang="en-US" smtClean="0"/>
+              <a:rPr lang="zh-TW" altLang="en-US"/>
               <a:t>按一下以編輯母片文字樣式</a:t>
             </a:r>
           </a:p>
           <a:p>
             <a:pPr lvl="1"/>
             <a:r>
-              <a:rPr lang="zh-TW" altLang="en-US" smtClean="0"/>
+              <a:rPr lang="zh-TW" altLang="en-US"/>
               <a:t>第二層</a:t>
             </a:r>
           </a:p>
           <a:p>
             <a:pPr lvl="2"/>
             <a:r>
-              <a:rPr lang="zh-TW" altLang="en-US" smtClean="0"/>
+              <a:rPr lang="zh-TW" altLang="en-US"/>
               <a:t>第三層</a:t>
             </a:r>
           </a:p>
           <a:p>
             <a:pPr lvl="3"/>
             <a:r>
-              <a:rPr lang="zh-TW" altLang="en-US" smtClean="0"/>
+              <a:rPr lang="zh-TW" altLang="en-US"/>
               <a:t>第四層</a:t>
             </a:r>
           </a:p>
           <a:p>
             <a:pPr lvl="4"/>
             <a:r>
-              <a:rPr lang="zh-TW" altLang="en-US" smtClean="0"/>
+              <a:rPr lang="zh-TW" altLang="en-US"/>
               <a:t>第五層</a:t>
             </a:r>
-            <a:endParaRPr lang="zh-TW" altLang="en-US"/>
           </a:p>
         </p:txBody>
       </p:sp>
@@ -3484,23 +3304,178 @@
           <a:chExt cx="0" cy="0"/>
         </a:xfrm>
       </p:grpSpPr>
+      <p:sp>
+        <p:nvSpPr>
+          <p:cNvPr id="2" name="標題 1">
+            <a:extLst>
+              <a:ext uri="{FF2B5EF4-FFF2-40B4-BE49-F238E27FC236}">
+                <a16:creationId xmlns:a16="http://schemas.microsoft.com/office/drawing/2014/main" id="{B463FC91-3D64-4CD3-B896-19F24306C454}"/>
+              </a:ext>
+            </a:extLst>
+          </p:cNvPr>
+          <p:cNvSpPr>
+            <a:spLocks noGrp="1"/>
+          </p:cNvSpPr>
+          <p:nvPr>
+            <p:ph type="title"/>
+          </p:nvPr>
+        </p:nvSpPr>
+        <p:spPr/>
+        <p:txBody>
+          <a:bodyPr>
+            <a:normAutofit/>
+          </a:bodyPr>
+          <a:lstStyle/>
+          <a:p>
+            <a:r>
+              <a:rPr lang="en-US" altLang="zh-TW" sz="4000" b="0" i="0" dirty="0">
+                <a:effectLst/>
+                <a:latin typeface="微軟正黑體" panose="020B0604030504040204" pitchFamily="34" charset="-120"/>
+                <a:ea typeface="微軟正黑體" panose="020B0604030504040204" pitchFamily="34" charset="-120"/>
+              </a:rPr>
+              <a:t>PSNR </a:t>
+            </a:r>
+            <a:endParaRPr lang="zh-TW" altLang="en-US" sz="4000" dirty="0">
+              <a:latin typeface="微軟正黑體" panose="020B0604030504040204" pitchFamily="34" charset="-120"/>
+              <a:ea typeface="微軟正黑體" panose="020B0604030504040204" pitchFamily="34" charset="-120"/>
+            </a:endParaRPr>
+          </a:p>
+        </p:txBody>
+      </p:sp>
+      <p:sp>
+        <p:nvSpPr>
+          <p:cNvPr id="3" name="內容版面配置區 2">
+            <a:extLst>
+              <a:ext uri="{FF2B5EF4-FFF2-40B4-BE49-F238E27FC236}">
+                <a16:creationId xmlns:a16="http://schemas.microsoft.com/office/drawing/2014/main" id="{4FB540D4-D7F0-4B7A-92DE-9D564FE091A4}"/>
+              </a:ext>
+            </a:extLst>
+          </p:cNvPr>
+          <p:cNvSpPr>
+            <a:spLocks noGrp="1"/>
+          </p:cNvSpPr>
+          <p:nvPr>
+            <p:ph idx="1"/>
+          </p:nvPr>
+        </p:nvSpPr>
+        <p:spPr>
+          <a:xfrm>
+            <a:off x="838199" y="1825625"/>
+            <a:ext cx="10596239" cy="4351338"/>
+          </a:xfrm>
+        </p:spPr>
+        <p:txBody>
+          <a:bodyPr>
+            <a:normAutofit/>
+          </a:bodyPr>
+          <a:lstStyle/>
+          <a:p>
+            <a:pPr algn="just">
+              <a:lnSpc>
+                <a:spcPct val="100000"/>
+              </a:lnSpc>
+            </a:pPr>
+            <a:r>
+              <a:rPr lang="en-US" altLang="zh-TW" sz="2200" i="0" dirty="0">
+                <a:solidFill>
+                  <a:srgbClr val="24292E"/>
+                </a:solidFill>
+                <a:effectLst/>
+                <a:latin typeface="微軟正黑體" panose="020B0604030504040204" pitchFamily="34" charset="-120"/>
+                <a:ea typeface="微軟正黑體" panose="020B0604030504040204" pitchFamily="34" charset="-120"/>
+              </a:rPr>
+              <a:t>Closed-loop Matters:</a:t>
+            </a:r>
+            <a:r>
+              <a:rPr lang="zh-TW" altLang="en-US" sz="2200" dirty="0">
+                <a:solidFill>
+                  <a:srgbClr val="24292E"/>
+                </a:solidFill>
+                <a:latin typeface="微軟正黑體" panose="020B0604030504040204" pitchFamily="34" charset="-120"/>
+                <a:ea typeface="微軟正黑體" panose="020B0604030504040204" pitchFamily="34" charset="-120"/>
+              </a:rPr>
+              <a:t> </a:t>
+            </a:r>
+            <a:r>
+              <a:rPr lang="en-US" altLang="zh-TW" sz="2200" i="0" dirty="0">
+                <a:solidFill>
+                  <a:srgbClr val="24292E"/>
+                </a:solidFill>
+                <a:effectLst/>
+                <a:latin typeface="微軟正黑體" panose="020B0604030504040204" pitchFamily="34" charset="-120"/>
+                <a:ea typeface="微軟正黑體" panose="020B0604030504040204" pitchFamily="34" charset="-120"/>
+              </a:rPr>
+              <a:t>Dual Regression Networks for Single Image Super-Resolution</a:t>
+            </a:r>
+          </a:p>
+          <a:p>
+            <a:pPr algn="just">
+              <a:lnSpc>
+                <a:spcPct val="100000"/>
+              </a:lnSpc>
+            </a:pPr>
+            <a:r>
+              <a:rPr lang="en-US" altLang="zh-TW" sz="2200" i="0" dirty="0">
+                <a:solidFill>
+                  <a:srgbClr val="24292E"/>
+                </a:solidFill>
+                <a:effectLst/>
+                <a:latin typeface="微軟正黑體" panose="020B0604030504040204" pitchFamily="34" charset="-120"/>
+                <a:ea typeface="微軟正黑體" panose="020B0604030504040204" pitchFamily="34" charset="-120"/>
+              </a:rPr>
+              <a:t>Deep unfolding network for image super-resolution</a:t>
+            </a:r>
+          </a:p>
+          <a:p>
+            <a:pPr algn="just">
+              <a:lnSpc>
+                <a:spcPct val="100000"/>
+              </a:lnSpc>
+            </a:pPr>
+            <a:r>
+              <a:rPr lang="en-US" altLang="zh-TW" sz="2200" dirty="0">
+                <a:solidFill>
+                  <a:srgbClr val="24292E"/>
+                </a:solidFill>
+                <a:latin typeface="微軟正黑體" panose="020B0604030504040204" pitchFamily="34" charset="-120"/>
+                <a:ea typeface="微軟正黑體" panose="020B0604030504040204" pitchFamily="34" charset="-120"/>
+              </a:rPr>
+              <a:t>Image Super-Resolution with Cross-Scale Non-Local Attention and Exhaustive Self-Exemplars Mining</a:t>
+            </a:r>
+            <a:endParaRPr lang="en-US" altLang="zh-TW" sz="2200" i="0" dirty="0">
+              <a:solidFill>
+                <a:srgbClr val="24292E"/>
+              </a:solidFill>
+              <a:effectLst/>
+              <a:latin typeface="微軟正黑體" panose="020B0604030504040204" pitchFamily="34" charset="-120"/>
+              <a:ea typeface="微軟正黑體" panose="020B0604030504040204" pitchFamily="34" charset="-120"/>
+            </a:endParaRPr>
+          </a:p>
+        </p:txBody>
+      </p:sp>
       <p:graphicFrame>
         <p:nvGraphicFramePr>
-          <p:cNvPr id="4" name="表格 3"/>
+          <p:cNvPr id="7" name="表格 6">
+            <a:extLst>
+              <a:ext uri="{FF2B5EF4-FFF2-40B4-BE49-F238E27FC236}">
+                <a16:creationId xmlns:a16="http://schemas.microsoft.com/office/drawing/2014/main" id="{93AB8550-68BD-4345-B4BC-56488ABB5FC9}"/>
+              </a:ext>
+            </a:extLst>
+          </p:cNvPr>
           <p:cNvGraphicFramePr>
             <a:graphicFrameLocks noGrp="1"/>
           </p:cNvGraphicFramePr>
           <p:nvPr>
             <p:extLst>
               <p:ext uri="{D42A27DB-BD31-4B8C-83A1-F6EECF244321}">
-                <p14:modId xmlns:p14="http://schemas.microsoft.com/office/powerpoint/2010/main" val="3733910672"/>
+                <p14:modId xmlns:p14="http://schemas.microsoft.com/office/powerpoint/2010/main" val="2162277837"/>
               </p:ext>
             </p:extLst>
           </p:nvPr>
         </p:nvGraphicFramePr>
         <p:xfrm>
-          <a:off x="1438876" y="2466087"/>
-          <a:ext cx="8128000" cy="2966720"/>
+          <a:off x="1415248" y="4375779"/>
+          <a:ext cx="9161061" cy="1483360"/>
         </p:xfrm>
         <a:graphic>
           <a:graphicData uri="http://schemas.openxmlformats.org/drawingml/2006/table">
@@ -3509,11 +3484,55 @@
                 <a:tableStyleId>{5C22544A-7EE6-4342-B048-85BDC9FD1C3A}</a:tableStyleId>
               </a:tblPr>
               <a:tblGrid>
-                <a:gridCol w="1625600"/>
-                <a:gridCol w="1625600"/>
-                <a:gridCol w="1625600"/>
-                <a:gridCol w="1625600"/>
-                <a:gridCol w="1625600"/>
+                <a:gridCol w="1308723">
+                  <a:extLst>
+                    <a:ext uri="{9D8B030D-6E8A-4147-A177-3AD203B41FA5}">
+                      <a16:colId xmlns:a16="http://schemas.microsoft.com/office/drawing/2014/main" val="20000"/>
+                    </a:ext>
+                  </a:extLst>
+                </a:gridCol>
+                <a:gridCol w="1308723">
+                  <a:extLst>
+                    <a:ext uri="{9D8B030D-6E8A-4147-A177-3AD203B41FA5}">
+                      <a16:colId xmlns:a16="http://schemas.microsoft.com/office/drawing/2014/main" val="1536992774"/>
+                    </a:ext>
+                  </a:extLst>
+                </a:gridCol>
+                <a:gridCol w="1308723">
+                  <a:extLst>
+                    <a:ext uri="{9D8B030D-6E8A-4147-A177-3AD203B41FA5}">
+                      <a16:colId xmlns:a16="http://schemas.microsoft.com/office/drawing/2014/main" val="20001"/>
+                    </a:ext>
+                  </a:extLst>
+                </a:gridCol>
+                <a:gridCol w="1308723">
+                  <a:extLst>
+                    <a:ext uri="{9D8B030D-6E8A-4147-A177-3AD203B41FA5}">
+                      <a16:colId xmlns:a16="http://schemas.microsoft.com/office/drawing/2014/main" val="20002"/>
+                    </a:ext>
+                  </a:extLst>
+                </a:gridCol>
+                <a:gridCol w="1308723">
+                  <a:extLst>
+                    <a:ext uri="{9D8B030D-6E8A-4147-A177-3AD203B41FA5}">
+                      <a16:colId xmlns:a16="http://schemas.microsoft.com/office/drawing/2014/main" val="20003"/>
+                    </a:ext>
+                  </a:extLst>
+                </a:gridCol>
+                <a:gridCol w="1308723">
+                  <a:extLst>
+                    <a:ext uri="{9D8B030D-6E8A-4147-A177-3AD203B41FA5}">
+                      <a16:colId xmlns:a16="http://schemas.microsoft.com/office/drawing/2014/main" val="20004"/>
+                    </a:ext>
+                  </a:extLst>
+                </a:gridCol>
+                <a:gridCol w="1308723">
+                  <a:extLst>
+                    <a:ext uri="{9D8B030D-6E8A-4147-A177-3AD203B41FA5}">
+                      <a16:colId xmlns:a16="http://schemas.microsoft.com/office/drawing/2014/main" val="2432675958"/>
+                    </a:ext>
+                  </a:extLst>
+                </a:gridCol>
               </a:tblGrid>
               <a:tr h="370840">
                 <a:tc>
@@ -3521,8 +3540,9 @@
                     <a:bodyPr/>
                     <a:lstStyle/>
                     <a:p>
+                      <a:pPr algn="ctr"/>
                       <a:r>
-                        <a:rPr lang="en-US" altLang="zh-TW" dirty="0" smtClean="0"/>
+                        <a:rPr lang="en-US" altLang="zh-TW" dirty="0"/>
                         <a:t>Method</a:t>
                       </a:r>
                       <a:endParaRPr lang="zh-TW" altLang="en-US" dirty="0"/>
@@ -3535,8 +3555,24 @@
                     <a:bodyPr/>
                     <a:lstStyle/>
                     <a:p>
+                      <a:pPr algn="ctr"/>
                       <a:r>
-                        <a:rPr lang="en-US" altLang="zh-TW" dirty="0" smtClean="0"/>
+                        <a:rPr lang="en-US" altLang="zh-TW" dirty="0"/>
+                        <a:t>Scale factor</a:t>
+                      </a:r>
+                      <a:endParaRPr lang="zh-TW" altLang="en-US" dirty="0"/>
+                    </a:p>
+                  </a:txBody>
+                  <a:tcPr/>
+                </a:tc>
+                <a:tc>
+                  <a:txBody>
+                    <a:bodyPr/>
+                    <a:lstStyle/>
+                    <a:p>
+                      <a:pPr algn="ctr"/>
+                      <a:r>
+                        <a:rPr lang="en-US" altLang="zh-TW" dirty="0"/>
                         <a:t>Set5</a:t>
                       </a:r>
                       <a:endParaRPr lang="zh-TW" altLang="en-US" dirty="0"/>
@@ -3549,8 +3585,9 @@
                     <a:bodyPr/>
                     <a:lstStyle/>
                     <a:p>
+                      <a:pPr algn="ctr"/>
                       <a:r>
-                        <a:rPr lang="en-US" altLang="zh-TW" dirty="0" smtClean="0"/>
+                        <a:rPr lang="en-US" altLang="zh-TW" dirty="0"/>
                         <a:t>Set14</a:t>
                       </a:r>
                       <a:endParaRPr lang="zh-TW" altLang="en-US" dirty="0"/>
@@ -3563,8 +3600,9 @@
                     <a:bodyPr/>
                     <a:lstStyle/>
                     <a:p>
+                      <a:pPr algn="ctr"/>
                       <a:r>
-                        <a:rPr lang="en-US" altLang="zh-TW" dirty="0" smtClean="0"/>
+                        <a:rPr lang="en-US" altLang="zh-TW" dirty="0"/>
                         <a:t>BSD100</a:t>
                       </a:r>
                       <a:endParaRPr lang="zh-TW" altLang="en-US" dirty="0"/>
@@ -3577,25 +3615,10 @@
                     <a:bodyPr/>
                     <a:lstStyle/>
                     <a:p>
+                      <a:pPr algn="ctr"/>
                       <a:r>
-                        <a:rPr lang="en-US" altLang="zh-TW" dirty="0" smtClean="0"/>
+                        <a:rPr lang="en-US" altLang="zh-TW" dirty="0"/>
                         <a:t>Urban100</a:t>
-                      </a:r>
-                      <a:endParaRPr lang="zh-TW" altLang="en-US" dirty="0"/>
-                    </a:p>
-                  </a:txBody>
-                  <a:tcPr/>
-                </a:tc>
-              </a:tr>
-              <a:tr h="370840">
-                <a:tc>
-                  <a:txBody>
-                    <a:bodyPr/>
-                    <a:lstStyle/>
-                    <a:p>
-                      <a:r>
-                        <a:rPr lang="en-US" altLang="zh-TW" dirty="0" smtClean="0"/>
-                        <a:t>DRN-S</a:t>
                       </a:r>
                       <a:endParaRPr lang="zh-TW" altLang="en-US" dirty="0"/>
                     </a:p>
@@ -3607,9 +3630,32 @@
                     <a:bodyPr/>
                     <a:lstStyle/>
                     <a:p>
+                      <a:pPr algn="ctr"/>
                       <a:r>
-                        <a:rPr lang="en-US" altLang="zh-TW" dirty="0" smtClean="0"/>
-                        <a:t>32.68</a:t>
+                        <a:rPr lang="en-US" altLang="zh-TW" dirty="0"/>
+                        <a:t>Parameters</a:t>
+                      </a:r>
+                      <a:endParaRPr lang="zh-TW" altLang="en-US" dirty="0"/>
+                    </a:p>
+                  </a:txBody>
+                  <a:tcPr/>
+                </a:tc>
+                <a:extLst>
+                  <a:ext uri="{0D108BD9-81ED-4DB2-BD59-A6C34878D82A}">
+                    <a16:rowId xmlns:a16="http://schemas.microsoft.com/office/drawing/2014/main" val="10000"/>
+                  </a:ext>
+                </a:extLst>
+              </a:tr>
+              <a:tr h="370840">
+                <a:tc>
+                  <a:txBody>
+                    <a:bodyPr/>
+                    <a:lstStyle/>
+                    <a:p>
+                      <a:pPr algn="ctr"/>
+                      <a:r>
+                        <a:rPr lang="en-US" altLang="zh-TW" dirty="0"/>
+                        <a:t>DRN-L</a:t>
                       </a:r>
                       <a:endParaRPr lang="zh-TW" altLang="en-US" dirty="0"/>
                     </a:p>
@@ -3621,9 +3667,102 @@
                     <a:bodyPr/>
                     <a:lstStyle/>
                     <a:p>
+                      <a:pPr algn="ctr"/>
                       <a:r>
-                        <a:rPr lang="en-US" altLang="zh-TW" dirty="0" smtClean="0"/>
-                        <a:t>28.93</a:t>
+                        <a:rPr lang="en-US" altLang="zh-TW" dirty="0">
+                          <a:solidFill>
+                            <a:schemeClr val="tx1"/>
+                          </a:solidFill>
+                        </a:rPr>
+                        <a:t>x4</a:t>
+                      </a:r>
+                      <a:endParaRPr lang="zh-TW" altLang="en-US" dirty="0">
+                        <a:solidFill>
+                          <a:schemeClr val="tx1"/>
+                        </a:solidFill>
+                      </a:endParaRPr>
+                    </a:p>
+                  </a:txBody>
+                  <a:tcPr/>
+                </a:tc>
+                <a:tc>
+                  <a:txBody>
+                    <a:bodyPr/>
+                    <a:lstStyle/>
+                    <a:p>
+                      <a:pPr algn="ctr"/>
+                      <a:r>
+                        <a:rPr lang="en-US" altLang="zh-TW" dirty="0">
+                          <a:solidFill>
+                            <a:srgbClr val="FF0000"/>
+                          </a:solidFill>
+                        </a:rPr>
+                        <a:t>32.74</a:t>
+                      </a:r>
+                      <a:endParaRPr lang="zh-TW" altLang="en-US" dirty="0">
+                        <a:solidFill>
+                          <a:srgbClr val="FF0000"/>
+                        </a:solidFill>
+                      </a:endParaRPr>
+                    </a:p>
+                  </a:txBody>
+                  <a:tcPr/>
+                </a:tc>
+                <a:tc>
+                  <a:txBody>
+                    <a:bodyPr/>
+                    <a:lstStyle/>
+                    <a:p>
+                      <a:pPr algn="ctr"/>
+                      <a:r>
+                        <a:rPr lang="en-US" altLang="zh-TW" dirty="0">
+                          <a:solidFill>
+                            <a:srgbClr val="FF0000"/>
+                          </a:solidFill>
+                        </a:rPr>
+                        <a:t>28.98</a:t>
+                      </a:r>
+                      <a:endParaRPr lang="zh-TW" altLang="en-US" dirty="0">
+                        <a:solidFill>
+                          <a:srgbClr val="FF0000"/>
+                        </a:solidFill>
+                      </a:endParaRPr>
+                    </a:p>
+                  </a:txBody>
+                  <a:tcPr/>
+                </a:tc>
+                <a:tc>
+                  <a:txBody>
+                    <a:bodyPr/>
+                    <a:lstStyle/>
+                    <a:p>
+                      <a:pPr algn="ctr"/>
+                      <a:r>
+                        <a:rPr lang="en-US" altLang="zh-TW" dirty="0">
+                          <a:solidFill>
+                            <a:srgbClr val="FF0000"/>
+                          </a:solidFill>
+                        </a:rPr>
+                        <a:t>27.83</a:t>
+                      </a:r>
+                      <a:endParaRPr lang="zh-TW" altLang="en-US" dirty="0">
+                        <a:solidFill>
+                          <a:srgbClr val="FF0000"/>
+                        </a:solidFill>
+                      </a:endParaRPr>
+                    </a:p>
+                  </a:txBody>
+                  <a:tcPr/>
+                </a:tc>
+                <a:tc>
+                  <a:txBody>
+                    <a:bodyPr/>
+                    <a:lstStyle/>
+                    <a:p>
+                      <a:pPr algn="ctr"/>
+                      <a:r>
+                        <a:rPr lang="en-US" altLang="zh-TW" dirty="0"/>
+                        <a:t>27.03</a:t>
                       </a:r>
                       <a:endParaRPr lang="zh-TW" altLang="en-US" dirty="0"/>
                     </a:p>
@@ -3635,9 +3774,39 @@
                     <a:bodyPr/>
                     <a:lstStyle/>
                     <a:p>
+                      <a:pPr algn="ctr"/>
                       <a:r>
-                        <a:rPr lang="en-US" altLang="zh-TW" dirty="0" smtClean="0"/>
-                        <a:t>27.78</a:t>
+                        <a:rPr lang="en-US" altLang="zh-TW" dirty="0"/>
+                        <a:t>9.8M</a:t>
+                      </a:r>
+                      <a:endParaRPr lang="zh-TW" altLang="en-US" dirty="0"/>
+                    </a:p>
+                  </a:txBody>
+                  <a:tcPr/>
+                </a:tc>
+                <a:extLst>
+                  <a:ext uri="{0D108BD9-81ED-4DB2-BD59-A6C34878D82A}">
+                    <a16:rowId xmlns:a16="http://schemas.microsoft.com/office/drawing/2014/main" val="10001"/>
+                  </a:ext>
+                </a:extLst>
+              </a:tr>
+              <a:tr h="370840">
+                <a:tc>
+                  <a:txBody>
+                    <a:bodyPr/>
+                    <a:lstStyle/>
+                    <a:p>
+                      <a:pPr algn="ctr"/>
+                      <a:r>
+                        <a:rPr lang="en-US" altLang="zh-TW" sz="1800" b="0" i="0" u="none" strike="noStrike" kern="1200" baseline="0" dirty="0">
+                          <a:solidFill>
+                            <a:schemeClr val="dk1"/>
+                          </a:solidFill>
+                          <a:latin typeface="+mn-lt"/>
+                          <a:ea typeface="+mn-ea"/>
+                          <a:cs typeface="+mn-cs"/>
+                        </a:rPr>
+                        <a:t>USRGAN</a:t>
                       </a:r>
                       <a:endParaRPr lang="zh-TW" altLang="en-US" dirty="0"/>
                     </a:p>
@@ -3649,32 +3818,33 @@
                     <a:bodyPr/>
                     <a:lstStyle/>
                     <a:p>
+                      <a:pPr algn="ctr"/>
                       <a:r>
-                        <a:rPr lang="en-US" altLang="zh-TW" dirty="0" smtClean="0"/>
-                        <a:t>26.84</a:t>
+                        <a:rPr lang="en-US" altLang="zh-TW" dirty="0">
+                          <a:solidFill>
+                            <a:schemeClr val="tx1"/>
+                          </a:solidFill>
+                        </a:rPr>
+                        <a:t>x4</a:t>
                       </a:r>
-                      <a:endParaRPr lang="zh-TW" altLang="en-US" dirty="0"/>
+                      <a:endParaRPr lang="zh-TW" altLang="en-US" dirty="0">
+                        <a:solidFill>
+                          <a:schemeClr val="tx1"/>
+                        </a:solidFill>
+                      </a:endParaRPr>
                     </a:p>
                   </a:txBody>
                   <a:tcPr/>
                 </a:tc>
-              </a:tr>
-              <a:tr h="370840">
                 <a:tc>
                   <a:txBody>
                     <a:bodyPr/>
                     <a:lstStyle/>
                     <a:p>
+                      <a:pPr algn="ctr"/>
                       <a:r>
-                        <a:rPr lang="en-US" altLang="zh-TW" sz="1800" b="0" i="0" u="none" strike="noStrike" kern="1200" baseline="0" dirty="0" err="1" smtClean="0">
-                          <a:solidFill>
-                            <a:schemeClr val="dk1"/>
-                          </a:solidFill>
-                          <a:latin typeface="+mn-lt"/>
-                          <a:ea typeface="+mn-ea"/>
-                          <a:cs typeface="+mn-cs"/>
-                        </a:rPr>
-                        <a:t>USRNet</a:t>
+                        <a:rPr lang="en-US" altLang="zh-TW" dirty="0"/>
+                        <a:t>32.45</a:t>
                       </a:r>
                       <a:endParaRPr lang="zh-TW" altLang="en-US" dirty="0"/>
                     </a:p>
@@ -3686,22 +3856,9 @@
                     <a:bodyPr/>
                     <a:lstStyle/>
                     <a:p>
+                      <a:pPr algn="ctr"/>
                       <a:r>
-                        <a:rPr lang="en-US" altLang="zh-TW" dirty="0" smtClean="0"/>
-                        <a:t>32.42</a:t>
-                      </a:r>
-                      <a:endParaRPr lang="zh-TW" altLang="en-US" dirty="0"/>
-                    </a:p>
-                  </a:txBody>
-                  <a:tcPr/>
-                </a:tc>
-                <a:tc>
-                  <a:txBody>
-                    <a:bodyPr/>
-                    <a:lstStyle/>
-                    <a:p>
-                      <a:r>
-                        <a:rPr lang="en-US" altLang="zh-TW" dirty="0" smtClean="0"/>
+                        <a:rPr lang="en-US" altLang="zh-TW" dirty="0"/>
                         <a:t>28.83</a:t>
                       </a:r>
                       <a:endParaRPr lang="zh-TW" altLang="en-US" dirty="0"/>
@@ -3714,8 +3871,9 @@
                     <a:bodyPr/>
                     <a:lstStyle/>
                     <a:p>
+                      <a:pPr algn="ctr"/>
                       <a:r>
-                        <a:rPr lang="en-US" altLang="zh-TW" dirty="0" smtClean="0"/>
+                        <a:rPr lang="en-US" altLang="zh-TW" dirty="0"/>
                         <a:t>27.69</a:t>
                       </a:r>
                       <a:endParaRPr lang="zh-TW" altLang="en-US" dirty="0"/>
@@ -3728,138 +3886,9 @@
                     <a:bodyPr/>
                     <a:lstStyle/>
                     <a:p>
+                      <a:pPr algn="ctr"/>
                       <a:r>
-                        <a:rPr lang="en-US" altLang="zh-TW" dirty="0" smtClean="0"/>
-                        <a:t>26.44</a:t>
-                      </a:r>
-                      <a:endParaRPr lang="zh-TW" altLang="en-US" dirty="0"/>
-                    </a:p>
-                  </a:txBody>
-                  <a:tcPr/>
-                </a:tc>
-              </a:tr>
-              <a:tr h="370840">
-                <a:tc>
-                  <a:txBody>
-                    <a:bodyPr/>
-                    <a:lstStyle/>
-                    <a:p>
-                      <a:r>
-                        <a:rPr lang="en-US" altLang="zh-TW" dirty="0" smtClean="0"/>
-                        <a:t>SPSR</a:t>
-                      </a:r>
-                      <a:endParaRPr lang="zh-TW" altLang="en-US" dirty="0"/>
-                    </a:p>
-                  </a:txBody>
-                  <a:tcPr/>
-                </a:tc>
-                <a:tc>
-                  <a:txBody>
-                    <a:bodyPr/>
-                    <a:lstStyle/>
-                    <a:p>
-                      <a:r>
-                        <a:rPr lang="en-US" altLang="zh-TW" dirty="0" smtClean="0"/>
-                        <a:t>30.4</a:t>
-                      </a:r>
-                      <a:endParaRPr lang="zh-TW" altLang="en-US" dirty="0"/>
-                    </a:p>
-                  </a:txBody>
-                  <a:tcPr/>
-                </a:tc>
-                <a:tc>
-                  <a:txBody>
-                    <a:bodyPr/>
-                    <a:lstStyle/>
-                    <a:p>
-                      <a:r>
-                        <a:rPr lang="en-US" altLang="zh-TW" dirty="0" smtClean="0"/>
-                        <a:t>26.64</a:t>
-                      </a:r>
-                      <a:endParaRPr lang="zh-TW" altLang="en-US" dirty="0"/>
-                    </a:p>
-                  </a:txBody>
-                  <a:tcPr/>
-                </a:tc>
-                <a:tc>
-                  <a:txBody>
-                    <a:bodyPr/>
-                    <a:lstStyle/>
-                    <a:p>
-                      <a:r>
-                        <a:rPr lang="en-US" altLang="zh-TW" dirty="0" smtClean="0"/>
-                        <a:t>25.5</a:t>
-                      </a:r>
-                      <a:endParaRPr lang="zh-TW" altLang="en-US" dirty="0"/>
-                    </a:p>
-                  </a:txBody>
-                  <a:tcPr/>
-                </a:tc>
-                <a:tc>
-                  <a:txBody>
-                    <a:bodyPr/>
-                    <a:lstStyle/>
-                    <a:p>
-                      <a:r>
-                        <a:rPr lang="en-US" altLang="zh-TW" dirty="0" smtClean="0"/>
-                        <a:t>24.79</a:t>
-                      </a:r>
-                      <a:endParaRPr lang="zh-TW" altLang="en-US" dirty="0"/>
-                    </a:p>
-                  </a:txBody>
-                  <a:tcPr/>
-                </a:tc>
-              </a:tr>
-              <a:tr h="370840">
-                <a:tc>
-                  <a:txBody>
-                    <a:bodyPr/>
-                    <a:lstStyle/>
-                    <a:p>
-                      <a:r>
-                        <a:rPr lang="en-US" altLang="zh-TW" dirty="0" err="1" smtClean="0"/>
-                        <a:t>NatSR</a:t>
-                      </a:r>
-                      <a:endParaRPr lang="zh-TW" altLang="en-US" dirty="0"/>
-                    </a:p>
-                  </a:txBody>
-                  <a:tcPr/>
-                </a:tc>
-                <a:tc>
-                  <a:txBody>
-                    <a:bodyPr/>
-                    <a:lstStyle/>
-                    <a:p>
-                      <a:r>
-                        <a:rPr lang="en-US" altLang="zh-TW" dirty="0" smtClean="0"/>
-                        <a:t>30.98</a:t>
-                      </a:r>
-                      <a:endParaRPr lang="zh-TW" altLang="en-US" dirty="0"/>
-                    </a:p>
-                  </a:txBody>
-                  <a:tcPr/>
-                </a:tc>
-                <a:tc>
-                  <a:txBody>
-                    <a:bodyPr/>
-                    <a:lstStyle/>
-                    <a:p>
-                      <a:r>
-                        <a:rPr lang="en-US" altLang="zh-TW" dirty="0" smtClean="0"/>
-                        <a:t>27.42</a:t>
-                      </a:r>
-                      <a:endParaRPr lang="zh-TW" altLang="en-US" dirty="0"/>
-                    </a:p>
-                  </a:txBody>
-                  <a:tcPr/>
-                </a:tc>
-                <a:tc>
-                  <a:txBody>
-                    <a:bodyPr/>
-                    <a:lstStyle/>
-                    <a:p>
-                      <a:r>
-                        <a:rPr lang="en-US" altLang="zh-TW" dirty="0" smtClean="0"/>
+                        <a:rPr lang="en-US" altLang="zh-TW" dirty="0"/>
                         <a:t>26.44</a:t>
                       </a:r>
                       <a:endParaRPr lang="zh-TW" altLang="en-US" dirty="0"/>
@@ -3872,15 +3901,21 @@
                     <a:bodyPr/>
                     <a:lstStyle/>
                     <a:p>
+                      <a:pPr algn="ctr"/>
                       <a:r>
-                        <a:rPr lang="en-US" altLang="zh-TW" dirty="0" smtClean="0"/>
-                        <a:t>25.46</a:t>
+                        <a:rPr lang="en-US" altLang="zh-TW" dirty="0"/>
+                        <a:t>17.02M</a:t>
                       </a:r>
                       <a:endParaRPr lang="zh-TW" altLang="en-US" dirty="0"/>
                     </a:p>
                   </a:txBody>
                   <a:tcPr/>
                 </a:tc>
+                <a:extLst>
+                  <a:ext uri="{0D108BD9-81ED-4DB2-BD59-A6C34878D82A}">
+                    <a16:rowId xmlns:a16="http://schemas.microsoft.com/office/drawing/2014/main" val="10002"/>
+                  </a:ext>
+                </a:extLst>
               </a:tr>
               <a:tr h="370840">
                 <a:tc>
@@ -3888,148 +3923,9 @@
                     <a:bodyPr/>
                     <a:lstStyle/>
                     <a:p>
+                      <a:pPr algn="ctr"/>
                       <a:r>
-                        <a:rPr lang="en-US" altLang="zh-TW" dirty="0" smtClean="0"/>
-                        <a:t>FRSR</a:t>
-                      </a:r>
-                      <a:endParaRPr lang="zh-TW" altLang="en-US" dirty="0"/>
-                    </a:p>
-                  </a:txBody>
-                  <a:tcPr/>
-                </a:tc>
-                <a:tc>
-                  <a:txBody>
-                    <a:bodyPr/>
-                    <a:lstStyle/>
-                    <a:p>
-                      <a:r>
-                        <a:rPr lang="en-US" altLang="zh-TW" dirty="0" smtClean="0"/>
-                        <a:t>32.46</a:t>
-                      </a:r>
-                      <a:endParaRPr lang="zh-TW" altLang="en-US" dirty="0"/>
-                    </a:p>
-                  </a:txBody>
-                  <a:tcPr/>
-                </a:tc>
-                <a:tc>
-                  <a:txBody>
-                    <a:bodyPr/>
-                    <a:lstStyle/>
-                    <a:p>
-                      <a:r>
-                        <a:rPr lang="en-US" altLang="zh-TW" dirty="0" smtClean="0"/>
-                        <a:t>28.71</a:t>
-                      </a:r>
-                      <a:endParaRPr lang="zh-TW" altLang="en-US" dirty="0"/>
-                    </a:p>
-                  </a:txBody>
-                  <a:tcPr/>
-                </a:tc>
-                <a:tc>
-                  <a:txBody>
-                    <a:bodyPr/>
-                    <a:lstStyle/>
-                    <a:p>
-                      <a:r>
-                        <a:rPr lang="en-US" altLang="zh-TW" dirty="0" smtClean="0"/>
-                        <a:t>27.72</a:t>
-                      </a:r>
-                      <a:endParaRPr lang="zh-TW" altLang="en-US" dirty="0"/>
-                    </a:p>
-                  </a:txBody>
-                  <a:tcPr/>
-                </a:tc>
-                <a:tc>
-                  <a:txBody>
-                    <a:bodyPr/>
-                    <a:lstStyle/>
-                    <a:p>
-                      <a:r>
-                        <a:rPr lang="en-US" altLang="zh-TW" dirty="0" smtClean="0"/>
-                        <a:t>26.64</a:t>
-                      </a:r>
-                      <a:endParaRPr lang="zh-TW" altLang="en-US" dirty="0"/>
-                    </a:p>
-                  </a:txBody>
-                  <a:tcPr/>
-                </a:tc>
-              </a:tr>
-              <a:tr h="370840">
-                <a:tc>
-                  <a:txBody>
-                    <a:bodyPr/>
-                    <a:lstStyle/>
-                    <a:p>
-                      <a:r>
-                        <a:rPr lang="en-US" altLang="zh-TW" dirty="0" smtClean="0"/>
-                        <a:t>UDVD</a:t>
-                      </a:r>
-                      <a:endParaRPr lang="zh-TW" altLang="en-US" dirty="0"/>
-                    </a:p>
-                  </a:txBody>
-                  <a:tcPr/>
-                </a:tc>
-                <a:tc>
-                  <a:txBody>
-                    <a:bodyPr/>
-                    <a:lstStyle/>
-                    <a:p>
-                      <a:r>
-                        <a:rPr lang="en-US" altLang="zh-TW" dirty="0" smtClean="0"/>
-                        <a:t>32.37</a:t>
-                      </a:r>
-                      <a:endParaRPr lang="zh-TW" altLang="en-US" dirty="0"/>
-                    </a:p>
-                  </a:txBody>
-                  <a:tcPr/>
-                </a:tc>
-                <a:tc>
-                  <a:txBody>
-                    <a:bodyPr/>
-                    <a:lstStyle/>
-                    <a:p>
-                      <a:r>
-                        <a:rPr lang="en-US" altLang="zh-TW" dirty="0" smtClean="0"/>
-                        <a:t>28.85</a:t>
-                      </a:r>
-                      <a:endParaRPr lang="zh-TW" altLang="en-US" dirty="0"/>
-                    </a:p>
-                  </a:txBody>
-                  <a:tcPr/>
-                </a:tc>
-                <a:tc>
-                  <a:txBody>
-                    <a:bodyPr/>
-                    <a:lstStyle/>
-                    <a:p>
-                      <a:r>
-                        <a:rPr lang="en-US" altLang="zh-TW" dirty="0" smtClean="0"/>
-                        <a:t>27.75</a:t>
-                      </a:r>
-                      <a:endParaRPr lang="zh-TW" altLang="en-US" dirty="0"/>
-                    </a:p>
-                  </a:txBody>
-                  <a:tcPr/>
-                </a:tc>
-                <a:tc>
-                  <a:txBody>
-                    <a:bodyPr/>
-                    <a:lstStyle/>
-                    <a:p>
-                      <a:endParaRPr lang="zh-TW" altLang="en-US" dirty="0"/>
-                    </a:p>
-                  </a:txBody>
-                  <a:tcPr/>
-                </a:tc>
-              </a:tr>
-              <a:tr h="370840">
-                <a:tc>
-                  <a:txBody>
-                    <a:bodyPr/>
-                    <a:lstStyle/>
-                    <a:p>
-                      <a:r>
-                        <a:rPr lang="en-US" altLang="zh-TW" dirty="0" smtClean="0"/>
+                        <a:rPr lang="en-US" altLang="zh-TW" dirty="0"/>
                         <a:t>CSNLN</a:t>
                       </a:r>
                       <a:endParaRPr lang="zh-TW" altLang="en-US" dirty="0"/>
@@ -4042,11 +3938,20 @@
                     <a:bodyPr/>
                     <a:lstStyle/>
                     <a:p>
+                      <a:pPr algn="ctr"/>
                       <a:r>
-                        <a:rPr lang="en-US" altLang="zh-TW" dirty="0" smtClean="0"/>
-                        <a:t>32.68</a:t>
+                        <a:rPr lang="en-US" altLang="zh-TW" dirty="0">
+                          <a:solidFill>
+                            <a:schemeClr val="tx1"/>
+                          </a:solidFill>
+                        </a:rPr>
+                        <a:t>x4</a:t>
                       </a:r>
-                      <a:endParaRPr lang="zh-TW" altLang="en-US" dirty="0"/>
+                      <a:endParaRPr lang="zh-TW" altLang="en-US" dirty="0">
+                        <a:solidFill>
+                          <a:schemeClr val="tx1"/>
+                        </a:solidFill>
+                      </a:endParaRPr>
                     </a:p>
                   </a:txBody>
                   <a:tcPr/>
@@ -4056,11 +3961,20 @@
                     <a:bodyPr/>
                     <a:lstStyle/>
                     <a:p>
+                      <a:pPr algn="ctr"/>
                       <a:r>
-                        <a:rPr lang="en-US" altLang="zh-TW" dirty="0" smtClean="0"/>
-                        <a:t>28.95</a:t>
+                        <a:rPr lang="en-US" altLang="zh-TW" dirty="0">
+                          <a:solidFill>
+                            <a:schemeClr val="tx1"/>
+                          </a:solidFill>
+                        </a:rPr>
+                        <a:t>32.68</a:t>
                       </a:r>
-                      <a:endParaRPr lang="zh-TW" altLang="en-US" dirty="0"/>
+                      <a:endParaRPr lang="zh-TW" altLang="en-US" dirty="0">
+                        <a:solidFill>
+                          <a:schemeClr val="tx1"/>
+                        </a:solidFill>
+                      </a:endParaRPr>
                     </a:p>
                   </a:txBody>
                   <a:tcPr/>
@@ -4070,11 +3984,20 @@
                     <a:bodyPr/>
                     <a:lstStyle/>
                     <a:p>
+                      <a:pPr algn="ctr"/>
                       <a:r>
-                        <a:rPr lang="en-US" altLang="zh-TW" dirty="0" smtClean="0"/>
-                        <a:t>27.80</a:t>
+                        <a:rPr lang="en-US" altLang="zh-TW" dirty="0">
+                          <a:solidFill>
+                            <a:schemeClr val="tx1"/>
+                          </a:solidFill>
+                        </a:rPr>
+                        <a:t>28.95</a:t>
                       </a:r>
-                      <a:endParaRPr lang="zh-TW" altLang="en-US" dirty="0"/>
+                      <a:endParaRPr lang="zh-TW" altLang="en-US" dirty="0">
+                        <a:solidFill>
+                          <a:schemeClr val="tx1"/>
+                        </a:solidFill>
+                      </a:endParaRPr>
                     </a:p>
                   </a:txBody>
                   <a:tcPr/>
@@ -4084,15 +4007,75 @@
                     <a:bodyPr/>
                     <a:lstStyle/>
                     <a:p>
+                      <a:pPr algn="ctr"/>
                       <a:r>
-                        <a:rPr lang="en-US" altLang="zh-TW" dirty="0" smtClean="0"/>
-                        <a:t>27.22</a:t>
+                        <a:rPr lang="en-US" altLang="zh-TW" dirty="0">
+                          <a:solidFill>
+                            <a:schemeClr val="tx1"/>
+                          </a:solidFill>
+                        </a:rPr>
+                        <a:t>27.80</a:t>
                       </a:r>
-                      <a:endParaRPr lang="zh-TW" altLang="en-US" dirty="0"/>
+                      <a:endParaRPr lang="zh-TW" altLang="en-US" dirty="0">
+                        <a:solidFill>
+                          <a:schemeClr val="tx1"/>
+                        </a:solidFill>
+                      </a:endParaRPr>
                     </a:p>
                   </a:txBody>
                   <a:tcPr/>
                 </a:tc>
+                <a:tc>
+                  <a:txBody>
+                    <a:bodyPr/>
+                    <a:lstStyle/>
+                    <a:p>
+                      <a:pPr algn="ctr"/>
+                      <a:r>
+                        <a:rPr lang="en-US" altLang="zh-TW" dirty="0">
+                          <a:solidFill>
+                            <a:srgbClr val="FF0000"/>
+                          </a:solidFill>
+                        </a:rPr>
+                        <a:t>27.22</a:t>
+                      </a:r>
+                      <a:endParaRPr lang="zh-TW" altLang="en-US" dirty="0">
+                        <a:solidFill>
+                          <a:srgbClr val="FF0000"/>
+                        </a:solidFill>
+                      </a:endParaRPr>
+                    </a:p>
+                  </a:txBody>
+                  <a:tcPr/>
+                </a:tc>
+                <a:tc>
+                  <a:txBody>
+                    <a:bodyPr/>
+                    <a:lstStyle/>
+                    <a:p>
+                      <a:pPr algn="ctr"/>
+                      <a:r>
+                        <a:rPr lang="en-US" altLang="zh-TW" dirty="0">
+                          <a:solidFill>
+                            <a:srgbClr val="FF0000"/>
+                          </a:solidFill>
+                        </a:rPr>
+                        <a:t>3M</a:t>
+                      </a:r>
+                      <a:endParaRPr lang="zh-TW" altLang="en-US" dirty="0">
+                        <a:solidFill>
+                          <a:srgbClr val="FF0000"/>
+                        </a:solidFill>
+                      </a:endParaRPr>
+                    </a:p>
+                  </a:txBody>
+                  <a:tcPr/>
+                </a:tc>
+                <a:extLst>
+                  <a:ext uri="{0D108BD9-81ED-4DB2-BD59-A6C34878D82A}">
+                    <a16:rowId xmlns:a16="http://schemas.microsoft.com/office/drawing/2014/main" val="10007"/>
+                  </a:ext>
+                </a:extLst>
               </a:tr>
             </a:tbl>
           </a:graphicData>
@@ -4101,7 +4084,1438 @@
     </p:spTree>
     <p:extLst>
       <p:ext uri="{BB962C8B-B14F-4D97-AF65-F5344CB8AC3E}">
-        <p14:creationId xmlns:p14="http://schemas.microsoft.com/office/powerpoint/2010/main" val="3565948233"/>
+        <p14:creationId xmlns:p14="http://schemas.microsoft.com/office/powerpoint/2010/main" val="1048606256"/>
+      </p:ext>
+    </p:extLst>
+  </p:cSld>
+  <p:clrMapOvr>
+    <a:masterClrMapping/>
+  </p:clrMapOvr>
+</p:sld>
+</file>
+
+<file path=ppt/slides/slide2.xml><?xml version="1.0" encoding="utf-8"?>
+<p:sld xmlns:a="http://schemas.openxmlformats.org/drawingml/2006/main" xmlns:r="http://schemas.openxmlformats.org/officeDocument/2006/relationships" xmlns:p="http://schemas.openxmlformats.org/presentationml/2006/main">
+  <p:cSld>
+    <p:spTree>
+      <p:nvGrpSpPr>
+        <p:cNvPr id="1" name=""/>
+        <p:cNvGrpSpPr/>
+        <p:nvPr/>
+      </p:nvGrpSpPr>
+      <p:grpSpPr>
+        <a:xfrm>
+          <a:off x="0" y="0"/>
+          <a:ext cx="0" cy="0"/>
+          <a:chOff x="0" y="0"/>
+          <a:chExt cx="0" cy="0"/>
+        </a:xfrm>
+      </p:grpSpPr>
+      <p:sp>
+        <p:nvSpPr>
+          <p:cNvPr id="2" name="標題 1">
+            <a:extLst>
+              <a:ext uri="{FF2B5EF4-FFF2-40B4-BE49-F238E27FC236}">
+                <a16:creationId xmlns:a16="http://schemas.microsoft.com/office/drawing/2014/main" id="{E719E533-E1B9-4035-B50E-5614DFD36BF8}"/>
+              </a:ext>
+            </a:extLst>
+          </p:cNvPr>
+          <p:cNvSpPr>
+            <a:spLocks noGrp="1"/>
+          </p:cNvSpPr>
+          <p:nvPr>
+            <p:ph type="title"/>
+          </p:nvPr>
+        </p:nvSpPr>
+        <p:spPr/>
+        <p:txBody>
+          <a:bodyPr/>
+          <a:lstStyle/>
+          <a:p>
+            <a:r>
+              <a:rPr lang="en-US" altLang="zh-TW" dirty="0">
+                <a:latin typeface="微軟正黑體" panose="020B0604030504040204" pitchFamily="34" charset="-120"/>
+                <a:ea typeface="微軟正黑體" panose="020B0604030504040204" pitchFamily="34" charset="-120"/>
+              </a:rPr>
+              <a:t>Visual Result</a:t>
+            </a:r>
+            <a:endParaRPr lang="zh-TW" altLang="en-US" dirty="0">
+              <a:latin typeface="微軟正黑體" panose="020B0604030504040204" pitchFamily="34" charset="-120"/>
+              <a:ea typeface="微軟正黑體" panose="020B0604030504040204" pitchFamily="34" charset="-120"/>
+            </a:endParaRPr>
+          </a:p>
+        </p:txBody>
+      </p:sp>
+      <p:sp>
+        <p:nvSpPr>
+          <p:cNvPr id="11" name="文字方塊 10">
+            <a:extLst>
+              <a:ext uri="{FF2B5EF4-FFF2-40B4-BE49-F238E27FC236}">
+                <a16:creationId xmlns:a16="http://schemas.microsoft.com/office/drawing/2014/main" id="{5510E650-BAB6-4B76-A9EB-4CC79F9FD7BE}"/>
+              </a:ext>
+            </a:extLst>
+          </p:cNvPr>
+          <p:cNvSpPr txBox="1"/>
+          <p:nvPr/>
+        </p:nvSpPr>
+        <p:spPr>
+          <a:xfrm>
+            <a:off x="7762581" y="5117128"/>
+            <a:ext cx="1786379" cy="461665"/>
+          </a:xfrm>
+          <a:prstGeom prst="rect">
+            <a:avLst/>
+          </a:prstGeom>
+          <a:noFill/>
+        </p:spPr>
+        <p:txBody>
+          <a:bodyPr wrap="square">
+            <a:spAutoFit/>
+          </a:bodyPr>
+          <a:lstStyle/>
+          <a:p>
+            <a:pPr algn="ctr"/>
+            <a:r>
+              <a:rPr lang="en-US" altLang="zh-TW" sz="2400" dirty="0"/>
+              <a:t>DRN-L</a:t>
+            </a:r>
+            <a:endParaRPr lang="zh-TW" altLang="en-US" sz="2400" dirty="0"/>
+          </a:p>
+        </p:txBody>
+      </p:sp>
+      <p:sp>
+        <p:nvSpPr>
+          <p:cNvPr id="15" name="文字方塊 14">
+            <a:extLst>
+              <a:ext uri="{FF2B5EF4-FFF2-40B4-BE49-F238E27FC236}">
+                <a16:creationId xmlns:a16="http://schemas.microsoft.com/office/drawing/2014/main" id="{71315CD0-D647-4602-928D-EF8425166C59}"/>
+              </a:ext>
+            </a:extLst>
+          </p:cNvPr>
+          <p:cNvSpPr txBox="1"/>
+          <p:nvPr/>
+        </p:nvSpPr>
+        <p:spPr>
+          <a:xfrm>
+            <a:off x="9980522" y="5117128"/>
+            <a:ext cx="1786379" cy="461665"/>
+          </a:xfrm>
+          <a:prstGeom prst="rect">
+            <a:avLst/>
+          </a:prstGeom>
+          <a:noFill/>
+        </p:spPr>
+        <p:txBody>
+          <a:bodyPr wrap="square">
+            <a:spAutoFit/>
+          </a:bodyPr>
+          <a:lstStyle/>
+          <a:p>
+            <a:pPr algn="ctr"/>
+            <a:r>
+              <a:rPr lang="en-US" altLang="zh-TW" sz="2400" dirty="0"/>
+              <a:t>CSNLN</a:t>
+            </a:r>
+            <a:endParaRPr lang="zh-TW" altLang="en-US" sz="2400" dirty="0"/>
+          </a:p>
+        </p:txBody>
+      </p:sp>
+      <p:pic>
+        <p:nvPicPr>
+          <p:cNvPr id="19" name="圖片 18">
+            <a:extLst>
+              <a:ext uri="{FF2B5EF4-FFF2-40B4-BE49-F238E27FC236}">
+                <a16:creationId xmlns:a16="http://schemas.microsoft.com/office/drawing/2014/main" id="{DF6C6C53-4E77-4511-B122-491B86E979A9}"/>
+              </a:ext>
+            </a:extLst>
+          </p:cNvPr>
+          <p:cNvPicPr>
+            <a:picLocks noChangeAspect="1"/>
+          </p:cNvPicPr>
+          <p:nvPr/>
+        </p:nvPicPr>
+        <p:blipFill>
+          <a:blip r:embed="rId2">
+            <a:extLst>
+              <a:ext uri="{28A0092B-C50C-407E-A947-70E740481C1C}">
+                <a14:useLocalDpi xmlns:a14="http://schemas.microsoft.com/office/drawing/2010/main" val="0"/>
+              </a:ext>
+            </a:extLst>
+          </a:blip>
+          <a:stretch>
+            <a:fillRect/>
+          </a:stretch>
+        </p:blipFill>
+        <p:spPr>
+          <a:xfrm>
+            <a:off x="314602" y="1873042"/>
+            <a:ext cx="4901440" cy="4051479"/>
+          </a:xfrm>
+          <a:prstGeom prst="rect">
+            <a:avLst/>
+          </a:prstGeom>
+        </p:spPr>
+      </p:pic>
+      <p:pic>
+        <p:nvPicPr>
+          <p:cNvPr id="21" name="圖片 20">
+            <a:extLst>
+              <a:ext uri="{FF2B5EF4-FFF2-40B4-BE49-F238E27FC236}">
+                <a16:creationId xmlns:a16="http://schemas.microsoft.com/office/drawing/2014/main" id="{F50C91F7-D7D3-408C-85B2-173FA37C16AC}"/>
+              </a:ext>
+            </a:extLst>
+          </p:cNvPr>
+          <p:cNvPicPr>
+            <a:picLocks noChangeAspect="1"/>
+          </p:cNvPicPr>
+          <p:nvPr/>
+        </p:nvPicPr>
+        <p:blipFill>
+          <a:blip r:embed="rId3">
+            <a:extLst>
+              <a:ext uri="{28A0092B-C50C-407E-A947-70E740481C1C}">
+                <a14:useLocalDpi xmlns:a14="http://schemas.microsoft.com/office/drawing/2010/main" val="0"/>
+              </a:ext>
+            </a:extLst>
+          </a:blip>
+          <a:stretch>
+            <a:fillRect/>
+          </a:stretch>
+        </p:blipFill>
+        <p:spPr>
+          <a:xfrm>
+            <a:off x="5470772" y="3091647"/>
+            <a:ext cx="2000520" cy="2007515"/>
+          </a:xfrm>
+          <a:prstGeom prst="rect">
+            <a:avLst/>
+          </a:prstGeom>
+        </p:spPr>
+      </p:pic>
+      <p:sp>
+        <p:nvSpPr>
+          <p:cNvPr id="23" name="文字方塊 22">
+            <a:extLst>
+              <a:ext uri="{FF2B5EF4-FFF2-40B4-BE49-F238E27FC236}">
+                <a16:creationId xmlns:a16="http://schemas.microsoft.com/office/drawing/2014/main" id="{97898CD2-7E9E-4266-B4A0-F56BDE1CEA05}"/>
+              </a:ext>
+            </a:extLst>
+          </p:cNvPr>
+          <p:cNvSpPr txBox="1"/>
+          <p:nvPr/>
+        </p:nvSpPr>
+        <p:spPr>
+          <a:xfrm>
+            <a:off x="5577842" y="5099162"/>
+            <a:ext cx="1786379" cy="461665"/>
+          </a:xfrm>
+          <a:prstGeom prst="rect">
+            <a:avLst/>
+          </a:prstGeom>
+          <a:noFill/>
+        </p:spPr>
+        <p:txBody>
+          <a:bodyPr wrap="square">
+            <a:spAutoFit/>
+          </a:bodyPr>
+          <a:lstStyle/>
+          <a:p>
+            <a:pPr algn="ctr"/>
+            <a:r>
+              <a:rPr lang="en-US" altLang="zh-TW" sz="2400" dirty="0"/>
+              <a:t>LR</a:t>
+            </a:r>
+            <a:endParaRPr lang="zh-TW" altLang="en-US" sz="2400" dirty="0"/>
+          </a:p>
+        </p:txBody>
+      </p:sp>
+      <p:sp>
+        <p:nvSpPr>
+          <p:cNvPr id="25" name="文字方塊 24">
+            <a:extLst>
+              <a:ext uri="{FF2B5EF4-FFF2-40B4-BE49-F238E27FC236}">
+                <a16:creationId xmlns:a16="http://schemas.microsoft.com/office/drawing/2014/main" id="{113DD457-6FB0-41F4-94D3-30E40758DAC3}"/>
+              </a:ext>
+            </a:extLst>
+          </p:cNvPr>
+          <p:cNvSpPr txBox="1"/>
+          <p:nvPr/>
+        </p:nvSpPr>
+        <p:spPr>
+          <a:xfrm>
+            <a:off x="1872132" y="5942444"/>
+            <a:ext cx="1786379" cy="461665"/>
+          </a:xfrm>
+          <a:prstGeom prst="rect">
+            <a:avLst/>
+          </a:prstGeom>
+          <a:noFill/>
+        </p:spPr>
+        <p:txBody>
+          <a:bodyPr wrap="square">
+            <a:spAutoFit/>
+          </a:bodyPr>
+          <a:lstStyle/>
+          <a:p>
+            <a:pPr algn="ctr"/>
+            <a:r>
+              <a:rPr lang="en-US" altLang="zh-TW" sz="2400" dirty="0"/>
+              <a:t>HR</a:t>
+            </a:r>
+            <a:endParaRPr lang="zh-TW" altLang="en-US" sz="2400" dirty="0"/>
+          </a:p>
+        </p:txBody>
+      </p:sp>
+      <p:pic>
+        <p:nvPicPr>
+          <p:cNvPr id="27" name="圖片 26">
+            <a:extLst>
+              <a:ext uri="{FF2B5EF4-FFF2-40B4-BE49-F238E27FC236}">
+                <a16:creationId xmlns:a16="http://schemas.microsoft.com/office/drawing/2014/main" id="{E9A30E82-164A-41A0-A34C-1876AB2CE828}"/>
+              </a:ext>
+            </a:extLst>
+          </p:cNvPr>
+          <p:cNvPicPr>
+            <a:picLocks noChangeAspect="1"/>
+          </p:cNvPicPr>
+          <p:nvPr/>
+        </p:nvPicPr>
+        <p:blipFill>
+          <a:blip r:embed="rId4">
+            <a:extLst>
+              <a:ext uri="{28A0092B-C50C-407E-A947-70E740481C1C}">
+                <a14:useLocalDpi xmlns:a14="http://schemas.microsoft.com/office/drawing/2010/main" val="0"/>
+              </a:ext>
+            </a:extLst>
+          </a:blip>
+          <a:stretch>
+            <a:fillRect/>
+          </a:stretch>
+        </p:blipFill>
+        <p:spPr>
+          <a:xfrm>
+            <a:off x="7659082" y="3098715"/>
+            <a:ext cx="1993378" cy="1993378"/>
+          </a:xfrm>
+          <a:prstGeom prst="rect">
+            <a:avLst/>
+          </a:prstGeom>
+        </p:spPr>
+      </p:pic>
+      <p:pic>
+        <p:nvPicPr>
+          <p:cNvPr id="29" name="圖片 28">
+            <a:extLst>
+              <a:ext uri="{FF2B5EF4-FFF2-40B4-BE49-F238E27FC236}">
+                <a16:creationId xmlns:a16="http://schemas.microsoft.com/office/drawing/2014/main" id="{9E6A5A10-3094-45AD-B858-1D565A2C3568}"/>
+              </a:ext>
+            </a:extLst>
+          </p:cNvPr>
+          <p:cNvPicPr>
+            <a:picLocks noChangeAspect="1"/>
+          </p:cNvPicPr>
+          <p:nvPr/>
+        </p:nvPicPr>
+        <p:blipFill>
+          <a:blip r:embed="rId5">
+            <a:extLst>
+              <a:ext uri="{28A0092B-C50C-407E-A947-70E740481C1C}">
+                <a14:useLocalDpi xmlns:a14="http://schemas.microsoft.com/office/drawing/2010/main" val="0"/>
+              </a:ext>
+            </a:extLst>
+          </a:blip>
+          <a:stretch>
+            <a:fillRect/>
+          </a:stretch>
+        </p:blipFill>
+        <p:spPr>
+          <a:xfrm>
+            <a:off x="9840250" y="3091647"/>
+            <a:ext cx="2066925" cy="2007515"/>
+          </a:xfrm>
+          <a:prstGeom prst="rect">
+            <a:avLst/>
+          </a:prstGeom>
+        </p:spPr>
+      </p:pic>
+    </p:spTree>
+    <p:extLst>
+      <p:ext uri="{BB962C8B-B14F-4D97-AF65-F5344CB8AC3E}">
+        <p14:creationId xmlns:p14="http://schemas.microsoft.com/office/powerpoint/2010/main" val="2708564946"/>
+      </p:ext>
+    </p:extLst>
+  </p:cSld>
+  <p:clrMapOvr>
+    <a:masterClrMapping/>
+  </p:clrMapOvr>
+</p:sld>
+</file>
+
+<file path=ppt/slides/slide3.xml><?xml version="1.0" encoding="utf-8"?>
+<p:sld xmlns:a="http://schemas.openxmlformats.org/drawingml/2006/main" xmlns:r="http://schemas.openxmlformats.org/officeDocument/2006/relationships" xmlns:p="http://schemas.openxmlformats.org/presentationml/2006/main">
+  <p:cSld>
+    <p:spTree>
+      <p:nvGrpSpPr>
+        <p:cNvPr id="1" name=""/>
+        <p:cNvGrpSpPr/>
+        <p:nvPr/>
+      </p:nvGrpSpPr>
+      <p:grpSpPr>
+        <a:xfrm>
+          <a:off x="0" y="0"/>
+          <a:ext cx="0" cy="0"/>
+          <a:chOff x="0" y="0"/>
+          <a:chExt cx="0" cy="0"/>
+        </a:xfrm>
+      </p:grpSpPr>
+      <p:sp>
+        <p:nvSpPr>
+          <p:cNvPr id="2" name="標題 1">
+            <a:extLst>
+              <a:ext uri="{FF2B5EF4-FFF2-40B4-BE49-F238E27FC236}">
+                <a16:creationId xmlns:a16="http://schemas.microsoft.com/office/drawing/2014/main" id="{3B645F0E-7E36-43E8-AEDC-C0372DFE671C}"/>
+              </a:ext>
+            </a:extLst>
+          </p:cNvPr>
+          <p:cNvSpPr>
+            <a:spLocks noGrp="1"/>
+          </p:cNvSpPr>
+          <p:nvPr>
+            <p:ph type="title"/>
+          </p:nvPr>
+        </p:nvSpPr>
+        <p:spPr/>
+        <p:txBody>
+          <a:bodyPr/>
+          <a:lstStyle/>
+          <a:p>
+            <a:r>
+              <a:rPr lang="en-US" altLang="zh-TW" dirty="0">
+                <a:latin typeface="微軟正黑體" panose="020B0604030504040204" pitchFamily="34" charset="-120"/>
+                <a:ea typeface="微軟正黑體" panose="020B0604030504040204" pitchFamily="34" charset="-120"/>
+              </a:rPr>
+              <a:t>Visual Result</a:t>
+            </a:r>
+            <a:endParaRPr lang="zh-TW" altLang="en-US" dirty="0"/>
+          </a:p>
+        </p:txBody>
+      </p:sp>
+      <p:sp>
+        <p:nvSpPr>
+          <p:cNvPr id="12" name="文字方塊 11">
+            <a:extLst>
+              <a:ext uri="{FF2B5EF4-FFF2-40B4-BE49-F238E27FC236}">
+                <a16:creationId xmlns:a16="http://schemas.microsoft.com/office/drawing/2014/main" id="{FB5E76C1-643E-44AE-8D5A-B9C2ACBFF48B}"/>
+              </a:ext>
+            </a:extLst>
+          </p:cNvPr>
+          <p:cNvSpPr txBox="1"/>
+          <p:nvPr/>
+        </p:nvSpPr>
+        <p:spPr>
+          <a:xfrm>
+            <a:off x="7854212" y="5007401"/>
+            <a:ext cx="1786379" cy="461665"/>
+          </a:xfrm>
+          <a:prstGeom prst="rect">
+            <a:avLst/>
+          </a:prstGeom>
+          <a:noFill/>
+        </p:spPr>
+        <p:txBody>
+          <a:bodyPr wrap="square">
+            <a:spAutoFit/>
+          </a:bodyPr>
+          <a:lstStyle/>
+          <a:p>
+            <a:pPr algn="ctr"/>
+            <a:r>
+              <a:rPr lang="en-US" altLang="zh-TW" sz="2400" dirty="0"/>
+              <a:t>DRN-L</a:t>
+            </a:r>
+            <a:endParaRPr lang="zh-TW" altLang="en-US" sz="2400" dirty="0"/>
+          </a:p>
+        </p:txBody>
+      </p:sp>
+      <p:sp>
+        <p:nvSpPr>
+          <p:cNvPr id="14" name="文字方塊 13">
+            <a:extLst>
+              <a:ext uri="{FF2B5EF4-FFF2-40B4-BE49-F238E27FC236}">
+                <a16:creationId xmlns:a16="http://schemas.microsoft.com/office/drawing/2014/main" id="{4F13551C-6C25-4DD4-AEC3-4AA0B7D8861D}"/>
+              </a:ext>
+            </a:extLst>
+          </p:cNvPr>
+          <p:cNvSpPr txBox="1"/>
+          <p:nvPr/>
+        </p:nvSpPr>
+        <p:spPr>
+          <a:xfrm>
+            <a:off x="9835585" y="5026270"/>
+            <a:ext cx="1786379" cy="461665"/>
+          </a:xfrm>
+          <a:prstGeom prst="rect">
+            <a:avLst/>
+          </a:prstGeom>
+          <a:noFill/>
+        </p:spPr>
+        <p:txBody>
+          <a:bodyPr wrap="square">
+            <a:spAutoFit/>
+          </a:bodyPr>
+          <a:lstStyle/>
+          <a:p>
+            <a:pPr algn="ctr"/>
+            <a:r>
+              <a:rPr lang="en-US" altLang="zh-TW" sz="2400" dirty="0"/>
+              <a:t>CSNLN</a:t>
+            </a:r>
+            <a:endParaRPr lang="zh-TW" altLang="en-US" sz="2400" dirty="0"/>
+          </a:p>
+        </p:txBody>
+      </p:sp>
+      <p:pic>
+        <p:nvPicPr>
+          <p:cNvPr id="16" name="圖片 15">
+            <a:extLst>
+              <a:ext uri="{FF2B5EF4-FFF2-40B4-BE49-F238E27FC236}">
+                <a16:creationId xmlns:a16="http://schemas.microsoft.com/office/drawing/2014/main" id="{05B1E1F3-7C23-4005-8D1F-B2D43CCC5955}"/>
+              </a:ext>
+            </a:extLst>
+          </p:cNvPr>
+          <p:cNvPicPr>
+            <a:picLocks noChangeAspect="1"/>
+          </p:cNvPicPr>
+          <p:nvPr/>
+        </p:nvPicPr>
+        <p:blipFill>
+          <a:blip r:embed="rId2">
+            <a:extLst>
+              <a:ext uri="{28A0092B-C50C-407E-A947-70E740481C1C}">
+                <a14:useLocalDpi xmlns:a14="http://schemas.microsoft.com/office/drawing/2010/main" val="0"/>
+              </a:ext>
+            </a:extLst>
+          </a:blip>
+          <a:stretch>
+            <a:fillRect/>
+          </a:stretch>
+        </p:blipFill>
+        <p:spPr>
+          <a:xfrm>
+            <a:off x="450820" y="1799670"/>
+            <a:ext cx="4933950" cy="4057650"/>
+          </a:xfrm>
+          <a:prstGeom prst="rect">
+            <a:avLst/>
+          </a:prstGeom>
+        </p:spPr>
+      </p:pic>
+      <p:pic>
+        <p:nvPicPr>
+          <p:cNvPr id="18" name="圖片 17">
+            <a:extLst>
+              <a:ext uri="{FF2B5EF4-FFF2-40B4-BE49-F238E27FC236}">
+                <a16:creationId xmlns:a16="http://schemas.microsoft.com/office/drawing/2014/main" id="{9994D4DD-6245-4895-9CC0-CED3B7149B30}"/>
+              </a:ext>
+            </a:extLst>
+          </p:cNvPr>
+          <p:cNvPicPr>
+            <a:picLocks noChangeAspect="1"/>
+          </p:cNvPicPr>
+          <p:nvPr/>
+        </p:nvPicPr>
+        <p:blipFill>
+          <a:blip r:embed="rId3">
+            <a:extLst>
+              <a:ext uri="{28A0092B-C50C-407E-A947-70E740481C1C}">
+                <a14:useLocalDpi xmlns:a14="http://schemas.microsoft.com/office/drawing/2010/main" val="0"/>
+              </a:ext>
+            </a:extLst>
+          </a:blip>
+          <a:stretch>
+            <a:fillRect/>
+          </a:stretch>
+        </p:blipFill>
+        <p:spPr>
+          <a:xfrm>
+            <a:off x="5785929" y="3127805"/>
+            <a:ext cx="1809750" cy="1809750"/>
+          </a:xfrm>
+          <a:prstGeom prst="rect">
+            <a:avLst/>
+          </a:prstGeom>
+        </p:spPr>
+      </p:pic>
+      <p:sp>
+        <p:nvSpPr>
+          <p:cNvPr id="20" name="文字方塊 19">
+            <a:extLst>
+              <a:ext uri="{FF2B5EF4-FFF2-40B4-BE49-F238E27FC236}">
+                <a16:creationId xmlns:a16="http://schemas.microsoft.com/office/drawing/2014/main" id="{47302DFF-D3B8-44B9-ADCF-8E88BF5ED30F}"/>
+              </a:ext>
+            </a:extLst>
+          </p:cNvPr>
+          <p:cNvSpPr txBox="1"/>
+          <p:nvPr/>
+        </p:nvSpPr>
+        <p:spPr>
+          <a:xfrm>
+            <a:off x="2024605" y="5966293"/>
+            <a:ext cx="1786379" cy="461665"/>
+          </a:xfrm>
+          <a:prstGeom prst="rect">
+            <a:avLst/>
+          </a:prstGeom>
+          <a:noFill/>
+        </p:spPr>
+        <p:txBody>
+          <a:bodyPr wrap="square">
+            <a:spAutoFit/>
+          </a:bodyPr>
+          <a:lstStyle/>
+          <a:p>
+            <a:pPr algn="ctr"/>
+            <a:r>
+              <a:rPr lang="en-US" altLang="zh-TW" sz="2400" dirty="0"/>
+              <a:t>HR</a:t>
+            </a:r>
+            <a:endParaRPr lang="zh-TW" altLang="en-US" sz="2400" dirty="0"/>
+          </a:p>
+        </p:txBody>
+      </p:sp>
+      <p:sp>
+        <p:nvSpPr>
+          <p:cNvPr id="22" name="文字方塊 21">
+            <a:extLst>
+              <a:ext uri="{FF2B5EF4-FFF2-40B4-BE49-F238E27FC236}">
+                <a16:creationId xmlns:a16="http://schemas.microsoft.com/office/drawing/2014/main" id="{0708F7A5-005F-400D-B91E-22F3395450A6}"/>
+              </a:ext>
+            </a:extLst>
+          </p:cNvPr>
+          <p:cNvSpPr txBox="1"/>
+          <p:nvPr/>
+        </p:nvSpPr>
+        <p:spPr>
+          <a:xfrm>
+            <a:off x="5785929" y="5026270"/>
+            <a:ext cx="1786379" cy="461665"/>
+          </a:xfrm>
+          <a:prstGeom prst="rect">
+            <a:avLst/>
+          </a:prstGeom>
+          <a:noFill/>
+        </p:spPr>
+        <p:txBody>
+          <a:bodyPr wrap="square">
+            <a:spAutoFit/>
+          </a:bodyPr>
+          <a:lstStyle/>
+          <a:p>
+            <a:pPr algn="ctr"/>
+            <a:r>
+              <a:rPr lang="en-US" altLang="zh-TW" sz="2400" dirty="0"/>
+              <a:t>LR</a:t>
+            </a:r>
+            <a:endParaRPr lang="zh-TW" altLang="en-US" sz="2400" dirty="0"/>
+          </a:p>
+        </p:txBody>
+      </p:sp>
+      <p:pic>
+        <p:nvPicPr>
+          <p:cNvPr id="24" name="圖片 23">
+            <a:extLst>
+              <a:ext uri="{FF2B5EF4-FFF2-40B4-BE49-F238E27FC236}">
+                <a16:creationId xmlns:a16="http://schemas.microsoft.com/office/drawing/2014/main" id="{571BEF24-EFD0-43B0-9F31-2F0286C9058D}"/>
+              </a:ext>
+            </a:extLst>
+          </p:cNvPr>
+          <p:cNvPicPr>
+            <a:picLocks noChangeAspect="1"/>
+          </p:cNvPicPr>
+          <p:nvPr/>
+        </p:nvPicPr>
+        <p:blipFill>
+          <a:blip r:embed="rId4">
+            <a:extLst>
+              <a:ext uri="{28A0092B-C50C-407E-A947-70E740481C1C}">
+                <a14:useLocalDpi xmlns:a14="http://schemas.microsoft.com/office/drawing/2010/main" val="0"/>
+              </a:ext>
+            </a:extLst>
+          </a:blip>
+          <a:stretch>
+            <a:fillRect/>
+          </a:stretch>
+        </p:blipFill>
+        <p:spPr>
+          <a:xfrm>
+            <a:off x="7765649" y="3137330"/>
+            <a:ext cx="1809750" cy="1790700"/>
+          </a:xfrm>
+          <a:prstGeom prst="rect">
+            <a:avLst/>
+          </a:prstGeom>
+        </p:spPr>
+      </p:pic>
+      <p:pic>
+        <p:nvPicPr>
+          <p:cNvPr id="28" name="圖片 27">
+            <a:extLst>
+              <a:ext uri="{FF2B5EF4-FFF2-40B4-BE49-F238E27FC236}">
+                <a16:creationId xmlns:a16="http://schemas.microsoft.com/office/drawing/2014/main" id="{A7603EC8-3AAA-40F4-ACDE-CD40737EC220}"/>
+              </a:ext>
+            </a:extLst>
+          </p:cNvPr>
+          <p:cNvPicPr>
+            <a:picLocks noChangeAspect="1"/>
+          </p:cNvPicPr>
+          <p:nvPr/>
+        </p:nvPicPr>
+        <p:blipFill>
+          <a:blip r:embed="rId5">
+            <a:extLst>
+              <a:ext uri="{28A0092B-C50C-407E-A947-70E740481C1C}">
+                <a14:useLocalDpi xmlns:a14="http://schemas.microsoft.com/office/drawing/2010/main" val="0"/>
+              </a:ext>
+            </a:extLst>
+          </a:blip>
+          <a:stretch>
+            <a:fillRect/>
+          </a:stretch>
+        </p:blipFill>
+        <p:spPr>
+          <a:xfrm>
+            <a:off x="9775012" y="3137331"/>
+            <a:ext cx="1846952" cy="1790700"/>
+          </a:xfrm>
+          <a:prstGeom prst="rect">
+            <a:avLst/>
+          </a:prstGeom>
+        </p:spPr>
+      </p:pic>
+    </p:spTree>
+    <p:extLst>
+      <p:ext uri="{BB962C8B-B14F-4D97-AF65-F5344CB8AC3E}">
+        <p14:creationId xmlns:p14="http://schemas.microsoft.com/office/powerpoint/2010/main" val="2384720147"/>
+      </p:ext>
+    </p:extLst>
+  </p:cSld>
+  <p:clrMapOvr>
+    <a:masterClrMapping/>
+  </p:clrMapOvr>
+</p:sld>
+</file>
+
+<file path=ppt/slides/slide4.xml><?xml version="1.0" encoding="utf-8"?>
+<p:sld xmlns:a="http://schemas.openxmlformats.org/drawingml/2006/main" xmlns:r="http://schemas.openxmlformats.org/officeDocument/2006/relationships" xmlns:p="http://schemas.openxmlformats.org/presentationml/2006/main">
+  <p:cSld>
+    <p:spTree>
+      <p:nvGrpSpPr>
+        <p:cNvPr id="1" name=""/>
+        <p:cNvGrpSpPr/>
+        <p:nvPr/>
+      </p:nvGrpSpPr>
+      <p:grpSpPr>
+        <a:xfrm>
+          <a:off x="0" y="0"/>
+          <a:ext cx="0" cy="0"/>
+          <a:chOff x="0" y="0"/>
+          <a:chExt cx="0" cy="0"/>
+        </a:xfrm>
+      </p:grpSpPr>
+      <p:sp>
+        <p:nvSpPr>
+          <p:cNvPr id="2" name="標題 1">
+            <a:extLst>
+              <a:ext uri="{FF2B5EF4-FFF2-40B4-BE49-F238E27FC236}">
+                <a16:creationId xmlns:a16="http://schemas.microsoft.com/office/drawing/2014/main" id="{126973AE-1B36-4DE7-885C-ABD5987F3EB0}"/>
+              </a:ext>
+            </a:extLst>
+          </p:cNvPr>
+          <p:cNvSpPr>
+            <a:spLocks noGrp="1"/>
+          </p:cNvSpPr>
+          <p:nvPr>
+            <p:ph type="title"/>
+          </p:nvPr>
+        </p:nvSpPr>
+        <p:spPr/>
+        <p:txBody>
+          <a:bodyPr/>
+          <a:lstStyle/>
+          <a:p>
+            <a:r>
+              <a:rPr lang="en-US" altLang="zh-TW" dirty="0">
+                <a:latin typeface="微軟正黑體" panose="020B0604030504040204" pitchFamily="34" charset="-120"/>
+                <a:ea typeface="微軟正黑體" panose="020B0604030504040204" pitchFamily="34" charset="-120"/>
+              </a:rPr>
+              <a:t>Visual Result</a:t>
+            </a:r>
+            <a:endParaRPr lang="zh-TW" altLang="en-US" dirty="0"/>
+          </a:p>
+        </p:txBody>
+      </p:sp>
+      <p:pic>
+        <p:nvPicPr>
+          <p:cNvPr id="5" name="內容版面配置區 4">
+            <a:extLst>
+              <a:ext uri="{FF2B5EF4-FFF2-40B4-BE49-F238E27FC236}">
+                <a16:creationId xmlns:a16="http://schemas.microsoft.com/office/drawing/2014/main" id="{66F5ABC5-0258-4F35-95A7-8A62529A5BFF}"/>
+              </a:ext>
+            </a:extLst>
+          </p:cNvPr>
+          <p:cNvPicPr>
+            <a:picLocks noGrp="1" noChangeAspect="1"/>
+          </p:cNvPicPr>
+          <p:nvPr>
+            <p:ph idx="1"/>
+          </p:nvPr>
+        </p:nvPicPr>
+        <p:blipFill>
+          <a:blip r:embed="rId2">
+            <a:extLst>
+              <a:ext uri="{28A0092B-C50C-407E-A947-70E740481C1C}">
+                <a14:useLocalDpi xmlns:a14="http://schemas.microsoft.com/office/drawing/2010/main" val="0"/>
+              </a:ext>
+            </a:extLst>
+          </a:blip>
+          <a:stretch>
+            <a:fillRect/>
+          </a:stretch>
+        </p:blipFill>
+        <p:spPr>
+          <a:xfrm>
+            <a:off x="232522" y="1657323"/>
+            <a:ext cx="2900892" cy="4351338"/>
+          </a:xfrm>
+        </p:spPr>
+      </p:pic>
+      <p:pic>
+        <p:nvPicPr>
+          <p:cNvPr id="7" name="圖片 6">
+            <a:extLst>
+              <a:ext uri="{FF2B5EF4-FFF2-40B4-BE49-F238E27FC236}">
+                <a16:creationId xmlns:a16="http://schemas.microsoft.com/office/drawing/2014/main" id="{7F7E6CBC-C122-4020-84A1-353DB90F35D6}"/>
+              </a:ext>
+            </a:extLst>
+          </p:cNvPr>
+          <p:cNvPicPr>
+            <a:picLocks noChangeAspect="1"/>
+          </p:cNvPicPr>
+          <p:nvPr/>
+        </p:nvPicPr>
+        <p:blipFill>
+          <a:blip r:embed="rId3">
+            <a:extLst>
+              <a:ext uri="{28A0092B-C50C-407E-A947-70E740481C1C}">
+                <a14:useLocalDpi xmlns:a14="http://schemas.microsoft.com/office/drawing/2010/main" val="0"/>
+              </a:ext>
+            </a:extLst>
+          </a:blip>
+          <a:stretch>
+            <a:fillRect/>
+          </a:stretch>
+        </p:blipFill>
+        <p:spPr>
+          <a:xfrm>
+            <a:off x="9281549" y="2797169"/>
+            <a:ext cx="2583370" cy="2392855"/>
+          </a:xfrm>
+          <a:prstGeom prst="rect">
+            <a:avLst/>
+          </a:prstGeom>
+        </p:spPr>
+      </p:pic>
+      <p:pic>
+        <p:nvPicPr>
+          <p:cNvPr id="9" name="圖片 8">
+            <a:extLst>
+              <a:ext uri="{FF2B5EF4-FFF2-40B4-BE49-F238E27FC236}">
+                <a16:creationId xmlns:a16="http://schemas.microsoft.com/office/drawing/2014/main" id="{5737C4E5-122A-4709-920F-0444CAD77F52}"/>
+              </a:ext>
+            </a:extLst>
+          </p:cNvPr>
+          <p:cNvPicPr>
+            <a:picLocks noChangeAspect="1"/>
+          </p:cNvPicPr>
+          <p:nvPr/>
+        </p:nvPicPr>
+        <p:blipFill>
+          <a:blip r:embed="rId4">
+            <a:extLst>
+              <a:ext uri="{28A0092B-C50C-407E-A947-70E740481C1C}">
+                <a14:useLocalDpi xmlns:a14="http://schemas.microsoft.com/office/drawing/2010/main" val="0"/>
+              </a:ext>
+            </a:extLst>
+          </a:blip>
+          <a:stretch>
+            <a:fillRect/>
+          </a:stretch>
+        </p:blipFill>
+        <p:spPr>
+          <a:xfrm>
+            <a:off x="6458546" y="2797169"/>
+            <a:ext cx="2583370" cy="2392856"/>
+          </a:xfrm>
+          <a:prstGeom prst="rect">
+            <a:avLst/>
+          </a:prstGeom>
+        </p:spPr>
+      </p:pic>
+      <p:sp>
+        <p:nvSpPr>
+          <p:cNvPr id="11" name="文字方塊 10">
+            <a:extLst>
+              <a:ext uri="{FF2B5EF4-FFF2-40B4-BE49-F238E27FC236}">
+                <a16:creationId xmlns:a16="http://schemas.microsoft.com/office/drawing/2014/main" id="{94568FF8-5E1D-4523-A691-3184FDE0DC48}"/>
+              </a:ext>
+            </a:extLst>
+          </p:cNvPr>
+          <p:cNvSpPr txBox="1"/>
+          <p:nvPr/>
+        </p:nvSpPr>
+        <p:spPr>
+          <a:xfrm>
+            <a:off x="6857041" y="5190024"/>
+            <a:ext cx="1786379" cy="461665"/>
+          </a:xfrm>
+          <a:prstGeom prst="rect">
+            <a:avLst/>
+          </a:prstGeom>
+          <a:noFill/>
+        </p:spPr>
+        <p:txBody>
+          <a:bodyPr wrap="square">
+            <a:spAutoFit/>
+          </a:bodyPr>
+          <a:lstStyle/>
+          <a:p>
+            <a:pPr algn="ctr"/>
+            <a:r>
+              <a:rPr lang="en-US" altLang="zh-TW" sz="2400" dirty="0"/>
+              <a:t>CSNLN</a:t>
+            </a:r>
+            <a:endParaRPr lang="zh-TW" altLang="en-US" sz="2400" dirty="0"/>
+          </a:p>
+        </p:txBody>
+      </p:sp>
+      <p:sp>
+        <p:nvSpPr>
+          <p:cNvPr id="13" name="文字方塊 12">
+            <a:extLst>
+              <a:ext uri="{FF2B5EF4-FFF2-40B4-BE49-F238E27FC236}">
+                <a16:creationId xmlns:a16="http://schemas.microsoft.com/office/drawing/2014/main" id="{733B8B21-4DED-4A4D-B3B6-D536161C65E0}"/>
+              </a:ext>
+            </a:extLst>
+          </p:cNvPr>
+          <p:cNvSpPr txBox="1"/>
+          <p:nvPr/>
+        </p:nvSpPr>
+        <p:spPr>
+          <a:xfrm>
+            <a:off x="9680044" y="5190024"/>
+            <a:ext cx="1786379" cy="461665"/>
+          </a:xfrm>
+          <a:prstGeom prst="rect">
+            <a:avLst/>
+          </a:prstGeom>
+          <a:noFill/>
+        </p:spPr>
+        <p:txBody>
+          <a:bodyPr wrap="square">
+            <a:spAutoFit/>
+          </a:bodyPr>
+          <a:lstStyle/>
+          <a:p>
+            <a:pPr algn="ctr"/>
+            <a:r>
+              <a:rPr lang="en-US" altLang="zh-TW" sz="2400" b="0" i="0" u="none" strike="noStrike" kern="1200" baseline="0" dirty="0">
+                <a:solidFill>
+                  <a:schemeClr val="dk1"/>
+                </a:solidFill>
+                <a:latin typeface="+mn-lt"/>
+                <a:ea typeface="+mn-ea"/>
+                <a:cs typeface="+mn-cs"/>
+              </a:rPr>
+              <a:t>USRGAN</a:t>
+            </a:r>
+            <a:endParaRPr lang="zh-TW" altLang="en-US" sz="2400" dirty="0"/>
+          </a:p>
+        </p:txBody>
+      </p:sp>
+      <p:pic>
+        <p:nvPicPr>
+          <p:cNvPr id="15" name="圖片 14">
+            <a:extLst>
+              <a:ext uri="{FF2B5EF4-FFF2-40B4-BE49-F238E27FC236}">
+                <a16:creationId xmlns:a16="http://schemas.microsoft.com/office/drawing/2014/main" id="{A2C42A86-E2AA-4B85-AE5D-D46B52BF3EDE}"/>
+              </a:ext>
+            </a:extLst>
+          </p:cNvPr>
+          <p:cNvPicPr>
+            <a:picLocks noChangeAspect="1"/>
+          </p:cNvPicPr>
+          <p:nvPr/>
+        </p:nvPicPr>
+        <p:blipFill>
+          <a:blip r:embed="rId5">
+            <a:extLst>
+              <a:ext uri="{28A0092B-C50C-407E-A947-70E740481C1C}">
+                <a14:useLocalDpi xmlns:a14="http://schemas.microsoft.com/office/drawing/2010/main" val="0"/>
+              </a:ext>
+            </a:extLst>
+          </a:blip>
+          <a:stretch>
+            <a:fillRect/>
+          </a:stretch>
+        </p:blipFill>
+        <p:spPr>
+          <a:xfrm>
+            <a:off x="3207882" y="1657323"/>
+            <a:ext cx="2900891" cy="4351337"/>
+          </a:xfrm>
+          <a:prstGeom prst="rect">
+            <a:avLst/>
+          </a:prstGeom>
+        </p:spPr>
+      </p:pic>
+      <p:sp>
+        <p:nvSpPr>
+          <p:cNvPr id="17" name="文字方塊 16">
+            <a:extLst>
+              <a:ext uri="{FF2B5EF4-FFF2-40B4-BE49-F238E27FC236}">
+                <a16:creationId xmlns:a16="http://schemas.microsoft.com/office/drawing/2014/main" id="{15D0D529-89EE-4358-A829-B6EA3522C1E4}"/>
+              </a:ext>
+            </a:extLst>
+          </p:cNvPr>
+          <p:cNvSpPr txBox="1"/>
+          <p:nvPr/>
+        </p:nvSpPr>
+        <p:spPr>
+          <a:xfrm>
+            <a:off x="789778" y="6016753"/>
+            <a:ext cx="1786379" cy="461665"/>
+          </a:xfrm>
+          <a:prstGeom prst="rect">
+            <a:avLst/>
+          </a:prstGeom>
+          <a:noFill/>
+        </p:spPr>
+        <p:txBody>
+          <a:bodyPr wrap="square">
+            <a:spAutoFit/>
+          </a:bodyPr>
+          <a:lstStyle/>
+          <a:p>
+            <a:pPr algn="ctr"/>
+            <a:r>
+              <a:rPr lang="en-US" altLang="zh-TW" sz="2400" dirty="0"/>
+              <a:t>HR</a:t>
+            </a:r>
+            <a:endParaRPr lang="zh-TW" altLang="en-US" sz="2400" dirty="0"/>
+          </a:p>
+        </p:txBody>
+      </p:sp>
+      <p:sp>
+        <p:nvSpPr>
+          <p:cNvPr id="19" name="文字方塊 18">
+            <a:extLst>
+              <a:ext uri="{FF2B5EF4-FFF2-40B4-BE49-F238E27FC236}">
+                <a16:creationId xmlns:a16="http://schemas.microsoft.com/office/drawing/2014/main" id="{D528A40C-8F8B-41FD-9E32-110A839EE7F9}"/>
+              </a:ext>
+            </a:extLst>
+          </p:cNvPr>
+          <p:cNvSpPr txBox="1"/>
+          <p:nvPr/>
+        </p:nvSpPr>
+        <p:spPr>
+          <a:xfrm>
+            <a:off x="3765137" y="6046684"/>
+            <a:ext cx="1786379" cy="461665"/>
+          </a:xfrm>
+          <a:prstGeom prst="rect">
+            <a:avLst/>
+          </a:prstGeom>
+          <a:noFill/>
+        </p:spPr>
+        <p:txBody>
+          <a:bodyPr wrap="square">
+            <a:spAutoFit/>
+          </a:bodyPr>
+          <a:lstStyle/>
+          <a:p>
+            <a:pPr algn="ctr"/>
+            <a:r>
+              <a:rPr lang="en-US" altLang="zh-TW" sz="2400" dirty="0"/>
+              <a:t>LR</a:t>
+            </a:r>
+            <a:endParaRPr lang="zh-TW" altLang="en-US" sz="2400" dirty="0"/>
+          </a:p>
+        </p:txBody>
+      </p:sp>
+    </p:spTree>
+    <p:extLst>
+      <p:ext uri="{BB962C8B-B14F-4D97-AF65-F5344CB8AC3E}">
+        <p14:creationId xmlns:p14="http://schemas.microsoft.com/office/powerpoint/2010/main" val="514712234"/>
+      </p:ext>
+    </p:extLst>
+  </p:cSld>
+  <p:clrMapOvr>
+    <a:masterClrMapping/>
+  </p:clrMapOvr>
+</p:sld>
+</file>
+
+<file path=ppt/slides/slide5.xml><?xml version="1.0" encoding="utf-8"?>
+<p:sld xmlns:a="http://schemas.openxmlformats.org/drawingml/2006/main" xmlns:r="http://schemas.openxmlformats.org/officeDocument/2006/relationships" xmlns:p="http://schemas.openxmlformats.org/presentationml/2006/main">
+  <p:cSld>
+    <p:spTree>
+      <p:nvGrpSpPr>
+        <p:cNvPr id="1" name=""/>
+        <p:cNvGrpSpPr/>
+        <p:nvPr/>
+      </p:nvGrpSpPr>
+      <p:grpSpPr>
+        <a:xfrm>
+          <a:off x="0" y="0"/>
+          <a:ext cx="0" cy="0"/>
+          <a:chOff x="0" y="0"/>
+          <a:chExt cx="0" cy="0"/>
+        </a:xfrm>
+      </p:grpSpPr>
+      <p:sp>
+        <p:nvSpPr>
+          <p:cNvPr id="2" name="標題 1">
+            <a:extLst>
+              <a:ext uri="{FF2B5EF4-FFF2-40B4-BE49-F238E27FC236}">
+                <a16:creationId xmlns:a16="http://schemas.microsoft.com/office/drawing/2014/main" id="{4FD4FE63-2191-46DF-A7B7-3F42F4CB234C}"/>
+              </a:ext>
+            </a:extLst>
+          </p:cNvPr>
+          <p:cNvSpPr>
+            <a:spLocks noGrp="1"/>
+          </p:cNvSpPr>
+          <p:nvPr>
+            <p:ph type="title"/>
+          </p:nvPr>
+        </p:nvSpPr>
+        <p:spPr/>
+        <p:txBody>
+          <a:bodyPr/>
+          <a:lstStyle/>
+          <a:p>
+            <a:r>
+              <a:rPr lang="en-US" altLang="zh-TW" dirty="0">
+                <a:latin typeface="微軟正黑體" panose="020B0604030504040204" pitchFamily="34" charset="-120"/>
+                <a:ea typeface="微軟正黑體" panose="020B0604030504040204" pitchFamily="34" charset="-120"/>
+              </a:rPr>
+              <a:t>Visual Result</a:t>
+            </a:r>
+            <a:endParaRPr lang="zh-TW" altLang="en-US" dirty="0"/>
+          </a:p>
+        </p:txBody>
+      </p:sp>
+      <p:pic>
+        <p:nvPicPr>
+          <p:cNvPr id="5" name="內容版面配置區 4">
+            <a:extLst>
+              <a:ext uri="{FF2B5EF4-FFF2-40B4-BE49-F238E27FC236}">
+                <a16:creationId xmlns:a16="http://schemas.microsoft.com/office/drawing/2014/main" id="{3A3CBC87-BD01-4BB2-B24F-C563931EAF10}"/>
+              </a:ext>
+            </a:extLst>
+          </p:cNvPr>
+          <p:cNvPicPr>
+            <a:picLocks noGrp="1" noChangeAspect="1"/>
+          </p:cNvPicPr>
+          <p:nvPr>
+            <p:ph idx="1"/>
+          </p:nvPr>
+        </p:nvPicPr>
+        <p:blipFill>
+          <a:blip r:embed="rId2">
+            <a:extLst>
+              <a:ext uri="{28A0092B-C50C-407E-A947-70E740481C1C}">
+                <a14:useLocalDpi xmlns:a14="http://schemas.microsoft.com/office/drawing/2010/main" val="0"/>
+              </a:ext>
+            </a:extLst>
+          </a:blip>
+          <a:stretch>
+            <a:fillRect/>
+          </a:stretch>
+        </p:blipFill>
+        <p:spPr>
+          <a:xfrm>
+            <a:off x="720571" y="1493685"/>
+            <a:ext cx="3451934" cy="2301289"/>
+          </a:xfrm>
+        </p:spPr>
+      </p:pic>
+      <p:pic>
+        <p:nvPicPr>
+          <p:cNvPr id="9" name="圖片 8">
+            <a:extLst>
+              <a:ext uri="{FF2B5EF4-FFF2-40B4-BE49-F238E27FC236}">
+                <a16:creationId xmlns:a16="http://schemas.microsoft.com/office/drawing/2014/main" id="{ACB568C1-60A1-4AF0-960E-F08627FE3A2A}"/>
+              </a:ext>
+            </a:extLst>
+          </p:cNvPr>
+          <p:cNvPicPr>
+            <a:picLocks noChangeAspect="1"/>
+          </p:cNvPicPr>
+          <p:nvPr/>
+        </p:nvPicPr>
+        <p:blipFill>
+          <a:blip r:embed="rId3">
+            <a:extLst>
+              <a:ext uri="{28A0092B-C50C-407E-A947-70E740481C1C}">
+                <a14:useLocalDpi xmlns:a14="http://schemas.microsoft.com/office/drawing/2010/main" val="0"/>
+              </a:ext>
+            </a:extLst>
+          </a:blip>
+          <a:stretch>
+            <a:fillRect/>
+          </a:stretch>
+        </p:blipFill>
+        <p:spPr>
+          <a:xfrm>
+            <a:off x="706103" y="4170701"/>
+            <a:ext cx="3451935" cy="2301290"/>
+          </a:xfrm>
+          <a:prstGeom prst="rect">
+            <a:avLst/>
+          </a:prstGeom>
+        </p:spPr>
+      </p:pic>
+      <p:pic>
+        <p:nvPicPr>
+          <p:cNvPr id="11" name="圖片 10">
+            <a:extLst>
+              <a:ext uri="{FF2B5EF4-FFF2-40B4-BE49-F238E27FC236}">
+                <a16:creationId xmlns:a16="http://schemas.microsoft.com/office/drawing/2014/main" id="{4EF42460-149E-417C-9850-BD16CD15F507}"/>
+              </a:ext>
+            </a:extLst>
+          </p:cNvPr>
+          <p:cNvPicPr>
+            <a:picLocks noChangeAspect="1"/>
+          </p:cNvPicPr>
+          <p:nvPr/>
+        </p:nvPicPr>
+        <p:blipFill>
+          <a:blip r:embed="rId4">
+            <a:extLst>
+              <a:ext uri="{28A0092B-C50C-407E-A947-70E740481C1C}">
+                <a14:useLocalDpi xmlns:a14="http://schemas.microsoft.com/office/drawing/2010/main" val="0"/>
+              </a:ext>
+            </a:extLst>
+          </a:blip>
+          <a:stretch>
+            <a:fillRect/>
+          </a:stretch>
+        </p:blipFill>
+        <p:spPr>
+          <a:xfrm>
+            <a:off x="4567563" y="2874067"/>
+            <a:ext cx="3451934" cy="2138900"/>
+          </a:xfrm>
+          <a:prstGeom prst="rect">
+            <a:avLst/>
+          </a:prstGeom>
+        </p:spPr>
+      </p:pic>
+      <p:pic>
+        <p:nvPicPr>
+          <p:cNvPr id="13" name="圖片 12">
+            <a:extLst>
+              <a:ext uri="{FF2B5EF4-FFF2-40B4-BE49-F238E27FC236}">
+                <a16:creationId xmlns:a16="http://schemas.microsoft.com/office/drawing/2014/main" id="{9D21AB0D-6DDF-4DC9-9A09-C4BE97A8DC4B}"/>
+              </a:ext>
+            </a:extLst>
+          </p:cNvPr>
+          <p:cNvPicPr>
+            <a:picLocks noChangeAspect="1"/>
+          </p:cNvPicPr>
+          <p:nvPr/>
+        </p:nvPicPr>
+        <p:blipFill>
+          <a:blip r:embed="rId5">
+            <a:extLst>
+              <a:ext uri="{28A0092B-C50C-407E-A947-70E740481C1C}">
+                <a14:useLocalDpi xmlns:a14="http://schemas.microsoft.com/office/drawing/2010/main" val="0"/>
+              </a:ext>
+            </a:extLst>
+          </a:blip>
+          <a:stretch>
+            <a:fillRect/>
+          </a:stretch>
+        </p:blipFill>
+        <p:spPr>
+          <a:xfrm>
+            <a:off x="8336872" y="2874067"/>
+            <a:ext cx="3451934" cy="2138900"/>
+          </a:xfrm>
+          <a:prstGeom prst="rect">
+            <a:avLst/>
+          </a:prstGeom>
+        </p:spPr>
+      </p:pic>
+      <p:sp>
+        <p:nvSpPr>
+          <p:cNvPr id="15" name="文字方塊 14">
+            <a:extLst>
+              <a:ext uri="{FF2B5EF4-FFF2-40B4-BE49-F238E27FC236}">
+                <a16:creationId xmlns:a16="http://schemas.microsoft.com/office/drawing/2014/main" id="{B9C7DA59-86F9-48B4-BB3E-707CB5227BE9}"/>
+              </a:ext>
+            </a:extLst>
+          </p:cNvPr>
+          <p:cNvSpPr txBox="1"/>
+          <p:nvPr/>
+        </p:nvSpPr>
+        <p:spPr>
+          <a:xfrm>
+            <a:off x="9240670" y="5090512"/>
+            <a:ext cx="1786379" cy="461665"/>
+          </a:xfrm>
+          <a:prstGeom prst="rect">
+            <a:avLst/>
+          </a:prstGeom>
+          <a:noFill/>
+        </p:spPr>
+        <p:txBody>
+          <a:bodyPr wrap="square">
+            <a:spAutoFit/>
+          </a:bodyPr>
+          <a:lstStyle/>
+          <a:p>
+            <a:pPr algn="ctr"/>
+            <a:r>
+              <a:rPr lang="en-US" altLang="zh-TW" sz="2400" b="0" i="0" u="none" strike="noStrike" kern="1200" baseline="0" dirty="0">
+                <a:solidFill>
+                  <a:schemeClr val="dk1"/>
+                </a:solidFill>
+                <a:latin typeface="+mn-lt"/>
+                <a:ea typeface="+mn-ea"/>
+                <a:cs typeface="+mn-cs"/>
+              </a:rPr>
+              <a:t>USRGAN</a:t>
+            </a:r>
+            <a:endParaRPr lang="zh-TW" altLang="en-US" sz="2400" dirty="0"/>
+          </a:p>
+        </p:txBody>
+      </p:sp>
+      <p:sp>
+        <p:nvSpPr>
+          <p:cNvPr id="17" name="文字方塊 16">
+            <a:extLst>
+              <a:ext uri="{FF2B5EF4-FFF2-40B4-BE49-F238E27FC236}">
+                <a16:creationId xmlns:a16="http://schemas.microsoft.com/office/drawing/2014/main" id="{1B3CBAEC-F73D-4F44-9EDB-5CCF4166F47E}"/>
+              </a:ext>
+            </a:extLst>
+          </p:cNvPr>
+          <p:cNvSpPr txBox="1"/>
+          <p:nvPr/>
+        </p:nvSpPr>
+        <p:spPr>
+          <a:xfrm>
+            <a:off x="5400340" y="5090513"/>
+            <a:ext cx="1786379" cy="461665"/>
+          </a:xfrm>
+          <a:prstGeom prst="rect">
+            <a:avLst/>
+          </a:prstGeom>
+          <a:noFill/>
+        </p:spPr>
+        <p:txBody>
+          <a:bodyPr wrap="square">
+            <a:spAutoFit/>
+          </a:bodyPr>
+          <a:lstStyle/>
+          <a:p>
+            <a:pPr algn="ctr"/>
+            <a:r>
+              <a:rPr lang="en-US" altLang="zh-TW" sz="2400" dirty="0"/>
+              <a:t>CSNLN</a:t>
+            </a:r>
+            <a:endParaRPr lang="zh-TW" altLang="en-US" sz="2400" dirty="0"/>
+          </a:p>
+        </p:txBody>
+      </p:sp>
+      <p:sp>
+        <p:nvSpPr>
+          <p:cNvPr id="19" name="文字方塊 18">
+            <a:extLst>
+              <a:ext uri="{FF2B5EF4-FFF2-40B4-BE49-F238E27FC236}">
+                <a16:creationId xmlns:a16="http://schemas.microsoft.com/office/drawing/2014/main" id="{5029248C-7473-4905-811D-D62A09C983FA}"/>
+              </a:ext>
+            </a:extLst>
+          </p:cNvPr>
+          <p:cNvSpPr txBox="1"/>
+          <p:nvPr/>
+        </p:nvSpPr>
+        <p:spPr>
+          <a:xfrm>
+            <a:off x="1538883" y="3752005"/>
+            <a:ext cx="1786379" cy="461665"/>
+          </a:xfrm>
+          <a:prstGeom prst="rect">
+            <a:avLst/>
+          </a:prstGeom>
+          <a:noFill/>
+        </p:spPr>
+        <p:txBody>
+          <a:bodyPr wrap="square">
+            <a:spAutoFit/>
+          </a:bodyPr>
+          <a:lstStyle/>
+          <a:p>
+            <a:pPr algn="ctr"/>
+            <a:r>
+              <a:rPr lang="en-US" altLang="zh-TW" sz="2400" dirty="0"/>
+              <a:t>HR</a:t>
+            </a:r>
+            <a:endParaRPr lang="zh-TW" altLang="en-US" sz="2400" dirty="0"/>
+          </a:p>
+        </p:txBody>
+      </p:sp>
+      <p:sp>
+        <p:nvSpPr>
+          <p:cNvPr id="21" name="文字方塊 20">
+            <a:extLst>
+              <a:ext uri="{FF2B5EF4-FFF2-40B4-BE49-F238E27FC236}">
+                <a16:creationId xmlns:a16="http://schemas.microsoft.com/office/drawing/2014/main" id="{95C59584-EA00-4825-89AE-B4FD834DF51C}"/>
+              </a:ext>
+            </a:extLst>
+          </p:cNvPr>
+          <p:cNvSpPr txBox="1"/>
+          <p:nvPr/>
+        </p:nvSpPr>
+        <p:spPr>
+          <a:xfrm>
+            <a:off x="1538882" y="6427601"/>
+            <a:ext cx="1786379" cy="461665"/>
+          </a:xfrm>
+          <a:prstGeom prst="rect">
+            <a:avLst/>
+          </a:prstGeom>
+          <a:noFill/>
+        </p:spPr>
+        <p:txBody>
+          <a:bodyPr wrap="square">
+            <a:spAutoFit/>
+          </a:bodyPr>
+          <a:lstStyle/>
+          <a:p>
+            <a:pPr algn="ctr"/>
+            <a:r>
+              <a:rPr lang="en-US" altLang="zh-TW" sz="2400" dirty="0"/>
+              <a:t>LR</a:t>
+            </a:r>
+            <a:endParaRPr lang="zh-TW" altLang="en-US" sz="2400" dirty="0"/>
+          </a:p>
+        </p:txBody>
+      </p:sp>
+    </p:spTree>
+    <p:extLst>
+      <p:ext uri="{BB962C8B-B14F-4D97-AF65-F5344CB8AC3E}">
+        <p14:creationId xmlns:p14="http://schemas.microsoft.com/office/powerpoint/2010/main" val="1289508534"/>
       </p:ext>
     </p:extLst>
   </p:cSld>
